--- a/book/assets/figure-source.pptx
+++ b/book/assets/figure-source.pptx
@@ -4496,7 +4496,7 @@
                   <a:latin typeface="思源宋体 CN" panose="02020400000000000000" pitchFamily="18" charset="-122"/>
                   <a:ea typeface="思源宋体 CN" panose="02020400000000000000" pitchFamily="18" charset="-122"/>
                 </a:rPr>
-                <a:t>预编译</a:t>
+                <a:t>预处理</a:t>
               </a:r>
             </a:p>
           </p:txBody>

--- a/book/assets/figure-source.pptx
+++ b/book/assets/figure-source.pptx
@@ -6,6 +6,7 @@
   </p:sldMasterIdLst>
   <p:sldIdLst>
     <p:sldId id="256" r:id="rId2"/>
+    <p:sldId id="257" r:id="rId3"/>
   </p:sldIdLst>
   <p:sldSz cx="12192000" cy="6858000"/>
   <p:notesSz cx="6858000" cy="9144000"/>
@@ -259,7 +260,7 @@
           <a:p>
             <a:fld id="{3D9CC106-C02A-482D-AED4-B55BF71F7C1D}" type="datetimeFigureOut">
               <a:rPr lang="zh-CN" altLang="en-US" smtClean="0"/>
-              <a:t>2022/7/17</a:t>
+              <a:t>2022/8/4</a:t>
             </a:fld>
             <a:endParaRPr lang="zh-CN" altLang="en-US"/>
           </a:p>
@@ -457,7 +458,7 @@
           <a:p>
             <a:fld id="{3D9CC106-C02A-482D-AED4-B55BF71F7C1D}" type="datetimeFigureOut">
               <a:rPr lang="zh-CN" altLang="en-US" smtClean="0"/>
-              <a:t>2022/7/17</a:t>
+              <a:t>2022/8/4</a:t>
             </a:fld>
             <a:endParaRPr lang="zh-CN" altLang="en-US"/>
           </a:p>
@@ -665,7 +666,7 @@
           <a:p>
             <a:fld id="{3D9CC106-C02A-482D-AED4-B55BF71F7C1D}" type="datetimeFigureOut">
               <a:rPr lang="zh-CN" altLang="en-US" smtClean="0"/>
-              <a:t>2022/7/17</a:t>
+              <a:t>2022/8/4</a:t>
             </a:fld>
             <a:endParaRPr lang="zh-CN" altLang="en-US"/>
           </a:p>
@@ -863,7 +864,7 @@
           <a:p>
             <a:fld id="{3D9CC106-C02A-482D-AED4-B55BF71F7C1D}" type="datetimeFigureOut">
               <a:rPr lang="zh-CN" altLang="en-US" smtClean="0"/>
-              <a:t>2022/7/17</a:t>
+              <a:t>2022/8/4</a:t>
             </a:fld>
             <a:endParaRPr lang="zh-CN" altLang="en-US"/>
           </a:p>
@@ -1138,7 +1139,7 @@
           <a:p>
             <a:fld id="{3D9CC106-C02A-482D-AED4-B55BF71F7C1D}" type="datetimeFigureOut">
               <a:rPr lang="zh-CN" altLang="en-US" smtClean="0"/>
-              <a:t>2022/7/17</a:t>
+              <a:t>2022/8/4</a:t>
             </a:fld>
             <a:endParaRPr lang="zh-CN" altLang="en-US"/>
           </a:p>
@@ -1403,7 +1404,7 @@
           <a:p>
             <a:fld id="{3D9CC106-C02A-482D-AED4-B55BF71F7C1D}" type="datetimeFigureOut">
               <a:rPr lang="zh-CN" altLang="en-US" smtClean="0"/>
-              <a:t>2022/7/17</a:t>
+              <a:t>2022/8/4</a:t>
             </a:fld>
             <a:endParaRPr lang="zh-CN" altLang="en-US"/>
           </a:p>
@@ -1815,7 +1816,7 @@
           <a:p>
             <a:fld id="{3D9CC106-C02A-482D-AED4-B55BF71F7C1D}" type="datetimeFigureOut">
               <a:rPr lang="zh-CN" altLang="en-US" smtClean="0"/>
-              <a:t>2022/7/17</a:t>
+              <a:t>2022/8/4</a:t>
             </a:fld>
             <a:endParaRPr lang="zh-CN" altLang="en-US"/>
           </a:p>
@@ -1956,7 +1957,7 @@
           <a:p>
             <a:fld id="{3D9CC106-C02A-482D-AED4-B55BF71F7C1D}" type="datetimeFigureOut">
               <a:rPr lang="zh-CN" altLang="en-US" smtClean="0"/>
-              <a:t>2022/7/17</a:t>
+              <a:t>2022/8/4</a:t>
             </a:fld>
             <a:endParaRPr lang="zh-CN" altLang="en-US"/>
           </a:p>
@@ -2069,7 +2070,7 @@
           <a:p>
             <a:fld id="{3D9CC106-C02A-482D-AED4-B55BF71F7C1D}" type="datetimeFigureOut">
               <a:rPr lang="zh-CN" altLang="en-US" smtClean="0"/>
-              <a:t>2022/7/17</a:t>
+              <a:t>2022/8/4</a:t>
             </a:fld>
             <a:endParaRPr lang="zh-CN" altLang="en-US"/>
           </a:p>
@@ -2380,7 +2381,7 @@
           <a:p>
             <a:fld id="{3D9CC106-C02A-482D-AED4-B55BF71F7C1D}" type="datetimeFigureOut">
               <a:rPr lang="zh-CN" altLang="en-US" smtClean="0"/>
-              <a:t>2022/7/17</a:t>
+              <a:t>2022/8/4</a:t>
             </a:fld>
             <a:endParaRPr lang="zh-CN" altLang="en-US"/>
           </a:p>
@@ -2668,7 +2669,7 @@
           <a:p>
             <a:fld id="{3D9CC106-C02A-482D-AED4-B55BF71F7C1D}" type="datetimeFigureOut">
               <a:rPr lang="zh-CN" altLang="en-US" smtClean="0"/>
-              <a:t>2022/7/17</a:t>
+              <a:t>2022/8/4</a:t>
             </a:fld>
             <a:endParaRPr lang="zh-CN" altLang="en-US"/>
           </a:p>
@@ -2909,7 +2910,7 @@
           <a:p>
             <a:fld id="{3D9CC106-C02A-482D-AED4-B55BF71F7C1D}" type="datetimeFigureOut">
               <a:rPr lang="zh-CN" altLang="en-US" smtClean="0"/>
-              <a:t>2022/7/17</a:t>
+              <a:t>2022/8/4</a:t>
             </a:fld>
             <a:endParaRPr lang="zh-CN" altLang="en-US"/>
           </a:p>
@@ -4515,6 +4516,1465 @@
 </p:sld>
 </file>
 
+<file path=ppt/slides/slide2.xml><?xml version="1.0" encoding="utf-8"?>
+<p:sld xmlns:a="http://schemas.openxmlformats.org/drawingml/2006/main" xmlns:r="http://schemas.openxmlformats.org/officeDocument/2006/relationships" xmlns:p="http://schemas.openxmlformats.org/presentationml/2006/main">
+  <p:cSld>
+    <p:spTree>
+      <p:nvGrpSpPr>
+        <p:cNvPr id="1" name=""/>
+        <p:cNvGrpSpPr/>
+        <p:nvPr/>
+      </p:nvGrpSpPr>
+      <p:grpSpPr>
+        <a:xfrm>
+          <a:off x="0" y="0"/>
+          <a:ext cx="0" cy="0"/>
+          <a:chOff x="0" y="0"/>
+          <a:chExt cx="0" cy="0"/>
+        </a:xfrm>
+      </p:grpSpPr>
+      <p:grpSp>
+        <p:nvGrpSpPr>
+          <p:cNvPr id="89" name="组合 88">
+            <a:extLst>
+              <a:ext uri="{FF2B5EF4-FFF2-40B4-BE49-F238E27FC236}">
+                <a16:creationId xmlns:a16="http://schemas.microsoft.com/office/drawing/2014/main" id="{5E7A5DF4-1194-6E1F-9FF8-BD89B1AF6082}"/>
+              </a:ext>
+            </a:extLst>
+          </p:cNvPr>
+          <p:cNvGrpSpPr/>
+          <p:nvPr/>
+        </p:nvGrpSpPr>
+        <p:grpSpPr>
+          <a:xfrm>
+            <a:off x="1763021" y="1009922"/>
+            <a:ext cx="8665959" cy="4838156"/>
+            <a:chOff x="1763021" y="1009922"/>
+            <a:chExt cx="8665959" cy="4838156"/>
+          </a:xfrm>
+        </p:grpSpPr>
+        <p:sp>
+          <p:nvSpPr>
+            <p:cNvPr id="4" name="矩形 3">
+              <a:extLst>
+                <a:ext uri="{FF2B5EF4-FFF2-40B4-BE49-F238E27FC236}">
+                  <a16:creationId xmlns:a16="http://schemas.microsoft.com/office/drawing/2014/main" id="{EFE8BEB9-F85C-32B8-917C-17BF88D7D743}"/>
+                </a:ext>
+              </a:extLst>
+            </p:cNvPr>
+            <p:cNvSpPr/>
+            <p:nvPr/>
+          </p:nvSpPr>
+          <p:spPr>
+            <a:xfrm>
+              <a:off x="6778001" y="1009922"/>
+              <a:ext cx="1374154" cy="4838156"/>
+            </a:xfrm>
+            <a:prstGeom prst="rect">
+              <a:avLst/>
+            </a:prstGeom>
+            <a:noFill/>
+            <a:ln w="25400">
+              <a:solidFill>
+                <a:schemeClr val="tx1"/>
+              </a:solidFill>
+            </a:ln>
+          </p:spPr>
+          <p:style>
+            <a:lnRef idx="2">
+              <a:schemeClr val="accent1">
+                <a:shade val="50000"/>
+              </a:schemeClr>
+            </a:lnRef>
+            <a:fillRef idx="1">
+              <a:schemeClr val="accent1"/>
+            </a:fillRef>
+            <a:effectRef idx="0">
+              <a:schemeClr val="accent1"/>
+            </a:effectRef>
+            <a:fontRef idx="minor">
+              <a:schemeClr val="lt1"/>
+            </a:fontRef>
+          </p:style>
+          <p:txBody>
+            <a:bodyPr rtlCol="0" anchor="ctr"/>
+            <a:lstStyle/>
+            <a:p>
+              <a:pPr algn="ctr"/>
+              <a:endParaRPr lang="zh-CN" altLang="en-US"/>
+            </a:p>
+          </p:txBody>
+        </p:sp>
+        <p:grpSp>
+          <p:nvGrpSpPr>
+            <p:cNvPr id="23" name="组合 22">
+              <a:extLst>
+                <a:ext uri="{FF2B5EF4-FFF2-40B4-BE49-F238E27FC236}">
+                  <a16:creationId xmlns:a16="http://schemas.microsoft.com/office/drawing/2014/main" id="{A6105BA3-C649-35E7-F2C6-621B2F78AE3C}"/>
+                </a:ext>
+              </a:extLst>
+            </p:cNvPr>
+            <p:cNvGrpSpPr/>
+            <p:nvPr/>
+          </p:nvGrpSpPr>
+          <p:grpSpPr>
+            <a:xfrm>
+              <a:off x="6904991" y="2627703"/>
+              <a:ext cx="1107996" cy="1560731"/>
+              <a:chOff x="5391532" y="1116429"/>
+              <a:chExt cx="1107996" cy="1560731"/>
+            </a:xfrm>
+          </p:grpSpPr>
+          <p:pic>
+            <p:nvPicPr>
+              <p:cNvPr id="24" name="图形 23" descr="纸张 纯色填充">
+                <a:extLst>
+                  <a:ext uri="{FF2B5EF4-FFF2-40B4-BE49-F238E27FC236}">
+                    <a16:creationId xmlns:a16="http://schemas.microsoft.com/office/drawing/2014/main" id="{3B777111-AECC-8D7A-B83D-5570CF315F52}"/>
+                  </a:ext>
+                </a:extLst>
+              </p:cNvPr>
+              <p:cNvPicPr>
+                <a:picLocks noChangeAspect="1"/>
+              </p:cNvPicPr>
+              <p:nvPr/>
+            </p:nvPicPr>
+            <p:blipFill>
+              <a:blip r:embed="rId2">
+                <a:extLst>
+                  <a:ext uri="{28A0092B-C50C-407E-A947-70E740481C1C}">
+                    <a14:useLocalDpi xmlns:a14="http://schemas.microsoft.com/office/drawing/2010/main" val="0"/>
+                  </a:ext>
+                  <a:ext uri="{96DAC541-7B7A-43D3-8B79-37D633B846F1}">
+                    <asvg:svgBlip xmlns:asvg="http://schemas.microsoft.com/office/drawing/2016/SVG/main" r:embed="rId3"/>
+                  </a:ext>
+                </a:extLst>
+              </a:blip>
+              <a:stretch>
+                <a:fillRect/>
+              </a:stretch>
+            </p:blipFill>
+            <p:spPr>
+              <a:xfrm>
+                <a:off x="5488329" y="1762760"/>
+                <a:ext cx="914400" cy="914400"/>
+              </a:xfrm>
+              <a:prstGeom prst="rect">
+                <a:avLst/>
+              </a:prstGeom>
+            </p:spPr>
+          </p:pic>
+          <p:sp>
+            <p:nvSpPr>
+              <p:cNvPr id="25" name="文本框 24">
+                <a:extLst>
+                  <a:ext uri="{FF2B5EF4-FFF2-40B4-BE49-F238E27FC236}">
+                    <a16:creationId xmlns:a16="http://schemas.microsoft.com/office/drawing/2014/main" id="{17B50595-34C2-9718-7AA1-F5CE65B900CE}"/>
+                  </a:ext>
+                </a:extLst>
+              </p:cNvPr>
+              <p:cNvSpPr txBox="1"/>
+              <p:nvPr/>
+            </p:nvSpPr>
+            <p:spPr>
+              <a:xfrm>
+                <a:off x="5391532" y="1116429"/>
+                <a:ext cx="1107996" cy="646331"/>
+              </a:xfrm>
+              <a:prstGeom prst="rect">
+                <a:avLst/>
+              </a:prstGeom>
+              <a:noFill/>
+            </p:spPr>
+            <p:txBody>
+              <a:bodyPr wrap="none" rtlCol="0">
+                <a:spAutoFit/>
+              </a:bodyPr>
+              <a:lstStyle/>
+              <a:p>
+                <a:pPr algn="ctr"/>
+                <a:r>
+                  <a:rPr lang="zh-CN" altLang="en-US" dirty="0">
+                    <a:latin typeface="思源宋体 CN" panose="02020400000000000000" pitchFamily="18" charset="-122"/>
+                    <a:ea typeface="思源宋体 CN" panose="02020400000000000000" pitchFamily="18" charset="-122"/>
+                  </a:rPr>
+                  <a:t>模块的</a:t>
+                </a:r>
+                <a:endParaRPr lang="en-US" altLang="zh-CN" dirty="0">
+                  <a:latin typeface="思源宋体 CN" panose="02020400000000000000" pitchFamily="18" charset="-122"/>
+                  <a:ea typeface="思源宋体 CN" panose="02020400000000000000" pitchFamily="18" charset="-122"/>
+                </a:endParaRPr>
+              </a:p>
+              <a:p>
+                <a:pPr algn="ctr"/>
+                <a:r>
+                  <a:rPr lang="zh-CN" altLang="en-US" dirty="0">
+                    <a:latin typeface="思源宋体 CN" panose="02020400000000000000" pitchFamily="18" charset="-122"/>
+                    <a:ea typeface="思源宋体 CN" panose="02020400000000000000" pitchFamily="18" charset="-122"/>
+                  </a:rPr>
+                  <a:t>中间文件</a:t>
+                </a:r>
+              </a:p>
+            </p:txBody>
+          </p:sp>
+        </p:grpSp>
+        <p:cxnSp>
+          <p:nvCxnSpPr>
+            <p:cNvPr id="27" name="直接箭头连接符 26">
+              <a:extLst>
+                <a:ext uri="{FF2B5EF4-FFF2-40B4-BE49-F238E27FC236}">
+                  <a16:creationId xmlns:a16="http://schemas.microsoft.com/office/drawing/2014/main" id="{95209E43-28BE-0614-EE6B-AF8D448868D8}"/>
+                </a:ext>
+              </a:extLst>
+            </p:cNvPr>
+            <p:cNvCxnSpPr>
+              <a:cxnSpLocks/>
+              <a:endCxn id="24" idx="1"/>
+            </p:cNvCxnSpPr>
+            <p:nvPr/>
+          </p:nvCxnSpPr>
+          <p:spPr>
+            <a:xfrm>
+              <a:off x="5460619" y="3731234"/>
+              <a:ext cx="1541169" cy="0"/>
+            </a:xfrm>
+            <a:prstGeom prst="straightConnector1">
+              <a:avLst/>
+            </a:prstGeom>
+            <a:ln w="25400">
+              <a:solidFill>
+                <a:schemeClr val="tx1"/>
+              </a:solidFill>
+              <a:tailEnd type="triangle"/>
+            </a:ln>
+          </p:spPr>
+          <p:style>
+            <a:lnRef idx="1">
+              <a:schemeClr val="accent1"/>
+            </a:lnRef>
+            <a:fillRef idx="0">
+              <a:schemeClr val="accent1"/>
+            </a:fillRef>
+            <a:effectRef idx="0">
+              <a:schemeClr val="accent1"/>
+            </a:effectRef>
+            <a:fontRef idx="minor">
+              <a:schemeClr val="tx1"/>
+            </a:fontRef>
+          </p:style>
+        </p:cxnSp>
+        <p:sp>
+          <p:nvSpPr>
+            <p:cNvPr id="32" name="文本框 31">
+              <a:extLst>
+                <a:ext uri="{FF2B5EF4-FFF2-40B4-BE49-F238E27FC236}">
+                  <a16:creationId xmlns:a16="http://schemas.microsoft.com/office/drawing/2014/main" id="{58468098-9F75-4016-10E2-DCD5C03AA91E}"/>
+                </a:ext>
+              </a:extLst>
+            </p:cNvPr>
+            <p:cNvSpPr txBox="1"/>
+            <p:nvPr/>
+          </p:nvSpPr>
+          <p:spPr>
+            <a:xfrm>
+              <a:off x="5791294" y="3361902"/>
+              <a:ext cx="646331" cy="369332"/>
+            </a:xfrm>
+            <a:prstGeom prst="rect">
+              <a:avLst/>
+            </a:prstGeom>
+            <a:noFill/>
+          </p:spPr>
+          <p:txBody>
+            <a:bodyPr wrap="square" rtlCol="0">
+              <a:spAutoFit/>
+            </a:bodyPr>
+            <a:lstStyle/>
+            <a:p>
+              <a:pPr algn="ctr"/>
+              <a:r>
+                <a:rPr lang="zh-CN" altLang="en-US" dirty="0">
+                  <a:latin typeface="思源宋体 CN" panose="02020400000000000000" pitchFamily="18" charset="-122"/>
+                  <a:ea typeface="思源宋体 CN" panose="02020400000000000000" pitchFamily="18" charset="-122"/>
+                </a:rPr>
+                <a:t>编译</a:t>
+              </a:r>
+            </a:p>
+          </p:txBody>
+        </p:sp>
+        <p:grpSp>
+          <p:nvGrpSpPr>
+            <p:cNvPr id="33" name="组合 32">
+              <a:extLst>
+                <a:ext uri="{FF2B5EF4-FFF2-40B4-BE49-F238E27FC236}">
+                  <a16:creationId xmlns:a16="http://schemas.microsoft.com/office/drawing/2014/main" id="{1B3BCFAE-36BB-BF6B-4A0F-CB7F0C7560D2}"/>
+                </a:ext>
+              </a:extLst>
+            </p:cNvPr>
+            <p:cNvGrpSpPr/>
+            <p:nvPr/>
+          </p:nvGrpSpPr>
+          <p:grpSpPr>
+            <a:xfrm>
+              <a:off x="6904990" y="4188433"/>
+              <a:ext cx="1107996" cy="1560731"/>
+              <a:chOff x="5391532" y="1116429"/>
+              <a:chExt cx="1107996" cy="1560731"/>
+            </a:xfrm>
+          </p:grpSpPr>
+          <p:pic>
+            <p:nvPicPr>
+              <p:cNvPr id="34" name="图形 33" descr="纸张 纯色填充">
+                <a:extLst>
+                  <a:ext uri="{FF2B5EF4-FFF2-40B4-BE49-F238E27FC236}">
+                    <a16:creationId xmlns:a16="http://schemas.microsoft.com/office/drawing/2014/main" id="{2949C052-69AF-972B-F0DC-B52AB91076F3}"/>
+                  </a:ext>
+                </a:extLst>
+              </p:cNvPr>
+              <p:cNvPicPr>
+                <a:picLocks noChangeAspect="1"/>
+              </p:cNvPicPr>
+              <p:nvPr/>
+            </p:nvPicPr>
+            <p:blipFill>
+              <a:blip r:embed="rId2">
+                <a:extLst>
+                  <a:ext uri="{28A0092B-C50C-407E-A947-70E740481C1C}">
+                    <a14:useLocalDpi xmlns:a14="http://schemas.microsoft.com/office/drawing/2010/main" val="0"/>
+                  </a:ext>
+                  <a:ext uri="{96DAC541-7B7A-43D3-8B79-37D633B846F1}">
+                    <asvg:svgBlip xmlns:asvg="http://schemas.microsoft.com/office/drawing/2016/SVG/main" r:embed="rId3"/>
+                  </a:ext>
+                </a:extLst>
+              </a:blip>
+              <a:stretch>
+                <a:fillRect/>
+              </a:stretch>
+            </p:blipFill>
+            <p:spPr>
+              <a:xfrm>
+                <a:off x="5488329" y="1762760"/>
+                <a:ext cx="914400" cy="914400"/>
+              </a:xfrm>
+              <a:prstGeom prst="rect">
+                <a:avLst/>
+              </a:prstGeom>
+            </p:spPr>
+          </p:pic>
+          <p:sp>
+            <p:nvSpPr>
+              <p:cNvPr id="35" name="文本框 34">
+                <a:extLst>
+                  <a:ext uri="{FF2B5EF4-FFF2-40B4-BE49-F238E27FC236}">
+                    <a16:creationId xmlns:a16="http://schemas.microsoft.com/office/drawing/2014/main" id="{4EC82605-AAE5-A81E-ABF6-F47E144DB7F1}"/>
+                  </a:ext>
+                </a:extLst>
+              </p:cNvPr>
+              <p:cNvSpPr txBox="1"/>
+              <p:nvPr/>
+            </p:nvSpPr>
+            <p:spPr>
+              <a:xfrm>
+                <a:off x="5391532" y="1116429"/>
+                <a:ext cx="1107996" cy="646331"/>
+              </a:xfrm>
+              <a:prstGeom prst="rect">
+                <a:avLst/>
+              </a:prstGeom>
+              <a:noFill/>
+            </p:spPr>
+            <p:txBody>
+              <a:bodyPr wrap="none" rtlCol="0">
+                <a:spAutoFit/>
+              </a:bodyPr>
+              <a:lstStyle/>
+              <a:p>
+                <a:pPr algn="ctr"/>
+                <a:r>
+                  <a:rPr lang="zh-CN" altLang="en-US" dirty="0">
+                    <a:latin typeface="思源宋体 CN" panose="02020400000000000000" pitchFamily="18" charset="-122"/>
+                    <a:ea typeface="思源宋体 CN" panose="02020400000000000000" pitchFamily="18" charset="-122"/>
+                  </a:rPr>
+                  <a:t>其他</a:t>
+                </a:r>
+                <a:endParaRPr lang="en-US" altLang="zh-CN" dirty="0">
+                  <a:latin typeface="思源宋体 CN" panose="02020400000000000000" pitchFamily="18" charset="-122"/>
+                  <a:ea typeface="思源宋体 CN" panose="02020400000000000000" pitchFamily="18" charset="-122"/>
+                </a:endParaRPr>
+              </a:p>
+              <a:p>
+                <a:pPr algn="ctr"/>
+                <a:r>
+                  <a:rPr lang="zh-CN" altLang="en-US" dirty="0">
+                    <a:latin typeface="思源宋体 CN" panose="02020400000000000000" pitchFamily="18" charset="-122"/>
+                    <a:ea typeface="思源宋体 CN" panose="02020400000000000000" pitchFamily="18" charset="-122"/>
+                  </a:rPr>
+                  <a:t>中间文件</a:t>
+                </a:r>
+              </a:p>
+            </p:txBody>
+          </p:sp>
+        </p:grpSp>
+        <p:sp>
+          <p:nvSpPr>
+            <p:cNvPr id="36" name="文本框 35">
+              <a:extLst>
+                <a:ext uri="{FF2B5EF4-FFF2-40B4-BE49-F238E27FC236}">
+                  <a16:creationId xmlns:a16="http://schemas.microsoft.com/office/drawing/2014/main" id="{C8ACAB08-DC65-9FF1-A2B9-58352C255619}"/>
+                </a:ext>
+              </a:extLst>
+            </p:cNvPr>
+            <p:cNvSpPr txBox="1"/>
+            <p:nvPr/>
+          </p:nvSpPr>
+          <p:spPr>
+            <a:xfrm>
+              <a:off x="8404094" y="3059668"/>
+              <a:ext cx="646331" cy="369332"/>
+            </a:xfrm>
+            <a:prstGeom prst="rect">
+              <a:avLst/>
+            </a:prstGeom>
+            <a:noFill/>
+          </p:spPr>
+          <p:txBody>
+            <a:bodyPr wrap="none" rtlCol="0">
+              <a:spAutoFit/>
+            </a:bodyPr>
+            <a:lstStyle/>
+            <a:p>
+              <a:pPr algn="ctr"/>
+              <a:r>
+                <a:rPr lang="zh-CN" altLang="en-US" dirty="0">
+                  <a:latin typeface="思源宋体 CN" panose="02020400000000000000" pitchFamily="18" charset="-122"/>
+                  <a:ea typeface="思源宋体 CN" panose="02020400000000000000" pitchFamily="18" charset="-122"/>
+                </a:rPr>
+                <a:t>链接</a:t>
+              </a:r>
+            </a:p>
+          </p:txBody>
+        </p:sp>
+        <p:cxnSp>
+          <p:nvCxnSpPr>
+            <p:cNvPr id="39" name="直接箭头连接符 38">
+              <a:extLst>
+                <a:ext uri="{FF2B5EF4-FFF2-40B4-BE49-F238E27FC236}">
+                  <a16:creationId xmlns:a16="http://schemas.microsoft.com/office/drawing/2014/main" id="{C811A1EC-91AD-1067-7FDB-8B90C60B5297}"/>
+                </a:ext>
+              </a:extLst>
+            </p:cNvPr>
+            <p:cNvCxnSpPr>
+              <a:cxnSpLocks/>
+              <a:stCxn id="4" idx="3"/>
+              <a:endCxn id="38" idx="1"/>
+            </p:cNvCxnSpPr>
+            <p:nvPr/>
+          </p:nvCxnSpPr>
+          <p:spPr>
+            <a:xfrm>
+              <a:off x="8152155" y="3429000"/>
+              <a:ext cx="1150211" cy="559"/>
+            </a:xfrm>
+            <a:prstGeom prst="straightConnector1">
+              <a:avLst/>
+            </a:prstGeom>
+            <a:ln w="25400">
+              <a:solidFill>
+                <a:schemeClr val="tx1"/>
+              </a:solidFill>
+              <a:tailEnd type="triangle"/>
+            </a:ln>
+          </p:spPr>
+          <p:style>
+            <a:lnRef idx="1">
+              <a:schemeClr val="accent1"/>
+            </a:lnRef>
+            <a:fillRef idx="0">
+              <a:schemeClr val="accent1"/>
+            </a:fillRef>
+            <a:effectRef idx="0">
+              <a:schemeClr val="accent1"/>
+            </a:effectRef>
+            <a:fontRef idx="minor">
+              <a:schemeClr val="tx1"/>
+            </a:fontRef>
+          </p:style>
+        </p:cxnSp>
+        <p:grpSp>
+          <p:nvGrpSpPr>
+            <p:cNvPr id="46" name="组合 45">
+              <a:extLst>
+                <a:ext uri="{FF2B5EF4-FFF2-40B4-BE49-F238E27FC236}">
+                  <a16:creationId xmlns:a16="http://schemas.microsoft.com/office/drawing/2014/main" id="{240E77B4-1227-3B44-D67E-9576638278E3}"/>
+                </a:ext>
+              </a:extLst>
+            </p:cNvPr>
+            <p:cNvGrpSpPr/>
+            <p:nvPr/>
+          </p:nvGrpSpPr>
+          <p:grpSpPr>
+            <a:xfrm>
+              <a:off x="9090152" y="2766202"/>
+              <a:ext cx="1338828" cy="1120557"/>
+              <a:chOff x="6555612" y="2815659"/>
+              <a:chExt cx="1338828" cy="1120557"/>
+            </a:xfrm>
+          </p:grpSpPr>
+          <p:pic>
+            <p:nvPicPr>
+              <p:cNvPr id="38" name="图形 37" descr="浏览器窗口 纯色填充">
+                <a:extLst>
+                  <a:ext uri="{FF2B5EF4-FFF2-40B4-BE49-F238E27FC236}">
+                    <a16:creationId xmlns:a16="http://schemas.microsoft.com/office/drawing/2014/main" id="{8D84C0C3-94BC-565A-430F-3CDE6FDBC04A}"/>
+                  </a:ext>
+                </a:extLst>
+              </p:cNvPr>
+              <p:cNvPicPr>
+                <a:picLocks noChangeAspect="1"/>
+              </p:cNvPicPr>
+              <p:nvPr/>
+            </p:nvPicPr>
+            <p:blipFill>
+              <a:blip r:embed="rId4">
+                <a:extLst>
+                  <a:ext uri="{28A0092B-C50C-407E-A947-70E740481C1C}">
+                    <a14:useLocalDpi xmlns:a14="http://schemas.microsoft.com/office/drawing/2010/main" val="0"/>
+                  </a:ext>
+                  <a:ext uri="{96DAC541-7B7A-43D3-8B79-37D633B846F1}">
+                    <asvg:svgBlip xmlns:asvg="http://schemas.microsoft.com/office/drawing/2016/SVG/main" r:embed="rId5"/>
+                  </a:ext>
+                </a:extLst>
+              </a:blip>
+              <a:stretch>
+                <a:fillRect/>
+              </a:stretch>
+            </p:blipFill>
+            <p:spPr>
+              <a:xfrm>
+                <a:off x="6767826" y="3021816"/>
+                <a:ext cx="914400" cy="914400"/>
+              </a:xfrm>
+              <a:prstGeom prst="rect">
+                <a:avLst/>
+              </a:prstGeom>
+            </p:spPr>
+          </p:pic>
+          <p:sp>
+            <p:nvSpPr>
+              <p:cNvPr id="45" name="文本框 44">
+                <a:extLst>
+                  <a:ext uri="{FF2B5EF4-FFF2-40B4-BE49-F238E27FC236}">
+                    <a16:creationId xmlns:a16="http://schemas.microsoft.com/office/drawing/2014/main" id="{EB3CDB4E-622D-88DE-F313-C5A4FD9DCDC2}"/>
+                  </a:ext>
+                </a:extLst>
+              </p:cNvPr>
+              <p:cNvSpPr txBox="1"/>
+              <p:nvPr/>
+            </p:nvSpPr>
+            <p:spPr>
+              <a:xfrm>
+                <a:off x="6555612" y="2815659"/>
+                <a:ext cx="1338828" cy="369332"/>
+              </a:xfrm>
+              <a:prstGeom prst="rect">
+                <a:avLst/>
+              </a:prstGeom>
+              <a:noFill/>
+            </p:spPr>
+            <p:txBody>
+              <a:bodyPr wrap="none" rtlCol="0">
+                <a:spAutoFit/>
+              </a:bodyPr>
+              <a:lstStyle/>
+              <a:p>
+                <a:pPr algn="ctr"/>
+                <a:r>
+                  <a:rPr lang="zh-CN" altLang="en-US" dirty="0">
+                    <a:latin typeface="思源宋体 CN" panose="02020400000000000000" pitchFamily="18" charset="-122"/>
+                    <a:ea typeface="思源宋体 CN" panose="02020400000000000000" pitchFamily="18" charset="-122"/>
+                  </a:rPr>
+                  <a:t>可执行文件</a:t>
+                </a:r>
+              </a:p>
+            </p:txBody>
+          </p:sp>
+        </p:grpSp>
+        <p:grpSp>
+          <p:nvGrpSpPr>
+            <p:cNvPr id="37" name="组合 36">
+              <a:extLst>
+                <a:ext uri="{FF2B5EF4-FFF2-40B4-BE49-F238E27FC236}">
+                  <a16:creationId xmlns:a16="http://schemas.microsoft.com/office/drawing/2014/main" id="{FBE2B44D-36EA-554A-EE4E-BE2DD24BCA4E}"/>
+                </a:ext>
+              </a:extLst>
+            </p:cNvPr>
+            <p:cNvGrpSpPr/>
+            <p:nvPr/>
+          </p:nvGrpSpPr>
+          <p:grpSpPr>
+            <a:xfrm>
+              <a:off x="3872338" y="4188434"/>
+              <a:ext cx="2262159" cy="1560731"/>
+              <a:chOff x="3035694" y="4188434"/>
+              <a:chExt cx="2262159" cy="1560731"/>
+            </a:xfrm>
+          </p:grpSpPr>
+          <p:pic>
+            <p:nvPicPr>
+              <p:cNvPr id="40" name="图形 39" descr="文档 纯色填充">
+                <a:extLst>
+                  <a:ext uri="{FF2B5EF4-FFF2-40B4-BE49-F238E27FC236}">
+                    <a16:creationId xmlns:a16="http://schemas.microsoft.com/office/drawing/2014/main" id="{627A9715-CECF-A752-18EF-34FF555AF8FC}"/>
+                  </a:ext>
+                </a:extLst>
+              </p:cNvPr>
+              <p:cNvPicPr>
+                <a:picLocks noChangeAspect="1"/>
+              </p:cNvPicPr>
+              <p:nvPr/>
+            </p:nvPicPr>
+            <p:blipFill>
+              <a:blip r:embed="rId6">
+                <a:extLst>
+                  <a:ext uri="{28A0092B-C50C-407E-A947-70E740481C1C}">
+                    <a14:useLocalDpi xmlns:a14="http://schemas.microsoft.com/office/drawing/2010/main" val="0"/>
+                  </a:ext>
+                  <a:ext uri="{96DAC541-7B7A-43D3-8B79-37D633B846F1}">
+                    <asvg:svgBlip xmlns:asvg="http://schemas.microsoft.com/office/drawing/2016/SVG/main" r:embed="rId7"/>
+                  </a:ext>
+                </a:extLst>
+              </a:blip>
+              <a:stretch>
+                <a:fillRect/>
+              </a:stretch>
+            </p:blipFill>
+            <p:spPr>
+              <a:xfrm>
+                <a:off x="3709574" y="4834765"/>
+                <a:ext cx="914400" cy="914400"/>
+              </a:xfrm>
+              <a:prstGeom prst="rect">
+                <a:avLst/>
+              </a:prstGeom>
+            </p:spPr>
+          </p:pic>
+          <p:sp>
+            <p:nvSpPr>
+              <p:cNvPr id="41" name="文本框 40">
+                <a:extLst>
+                  <a:ext uri="{FF2B5EF4-FFF2-40B4-BE49-F238E27FC236}">
+                    <a16:creationId xmlns:a16="http://schemas.microsoft.com/office/drawing/2014/main" id="{A43E63FB-E4D8-EF5E-7437-C6EFC9EF5528}"/>
+                  </a:ext>
+                </a:extLst>
+              </p:cNvPr>
+              <p:cNvSpPr txBox="1"/>
+              <p:nvPr/>
+            </p:nvSpPr>
+            <p:spPr>
+              <a:xfrm>
+                <a:off x="3035694" y="4188434"/>
+                <a:ext cx="2262159" cy="646331"/>
+              </a:xfrm>
+              <a:prstGeom prst="rect">
+                <a:avLst/>
+              </a:prstGeom>
+              <a:noFill/>
+            </p:spPr>
+            <p:txBody>
+              <a:bodyPr wrap="none" rtlCol="0">
+                <a:spAutoFit/>
+              </a:bodyPr>
+              <a:lstStyle/>
+              <a:p>
+                <a:pPr algn="ctr"/>
+                <a:r>
+                  <a:rPr lang="zh-CN" altLang="en-US" dirty="0">
+                    <a:latin typeface="思源宋体 CN" panose="02020400000000000000" pitchFamily="18" charset="-122"/>
+                    <a:ea typeface="思源宋体 CN" panose="02020400000000000000" pitchFamily="18" charset="-122"/>
+                  </a:rPr>
+                  <a:t>模块接口单元</a:t>
+                </a:r>
+                <a:endParaRPr lang="en-US" altLang="zh-CN" dirty="0">
+                  <a:latin typeface="思源宋体 CN" panose="02020400000000000000" pitchFamily="18" charset="-122"/>
+                  <a:ea typeface="思源宋体 CN" panose="02020400000000000000" pitchFamily="18" charset="-122"/>
+                </a:endParaRPr>
+              </a:p>
+              <a:p>
+                <a:pPr algn="ctr"/>
+                <a:r>
+                  <a:rPr lang="zh-CN" altLang="en-US" dirty="0">
+                    <a:latin typeface="思源宋体 CN" panose="02020400000000000000" pitchFamily="18" charset="-122"/>
+                    <a:ea typeface="思源宋体 CN" panose="02020400000000000000" pitchFamily="18" charset="-122"/>
+                  </a:rPr>
+                  <a:t>（功能类似头文件）</a:t>
+                </a:r>
+              </a:p>
+            </p:txBody>
+          </p:sp>
+        </p:grpSp>
+        <p:grpSp>
+          <p:nvGrpSpPr>
+            <p:cNvPr id="42" name="组合 41">
+              <a:extLst>
+                <a:ext uri="{FF2B5EF4-FFF2-40B4-BE49-F238E27FC236}">
+                  <a16:creationId xmlns:a16="http://schemas.microsoft.com/office/drawing/2014/main" id="{8757CB04-E573-22FE-C19D-4974F05A4769}"/>
+                </a:ext>
+              </a:extLst>
+            </p:cNvPr>
+            <p:cNvGrpSpPr/>
+            <p:nvPr/>
+          </p:nvGrpSpPr>
+          <p:grpSpPr>
+            <a:xfrm>
+              <a:off x="3987758" y="2627703"/>
+              <a:ext cx="2031326" cy="1560731"/>
+              <a:chOff x="3151114" y="2627703"/>
+              <a:chExt cx="2031326" cy="1560731"/>
+            </a:xfrm>
+          </p:grpSpPr>
+          <p:pic>
+            <p:nvPicPr>
+              <p:cNvPr id="43" name="图形 42" descr="文档 纯色填充">
+                <a:extLst>
+                  <a:ext uri="{FF2B5EF4-FFF2-40B4-BE49-F238E27FC236}">
+                    <a16:creationId xmlns:a16="http://schemas.microsoft.com/office/drawing/2014/main" id="{31485B63-B7FC-B776-107E-D7E2BA79728A}"/>
+                  </a:ext>
+                </a:extLst>
+              </p:cNvPr>
+              <p:cNvPicPr>
+                <a:picLocks noChangeAspect="1"/>
+              </p:cNvPicPr>
+              <p:nvPr/>
+            </p:nvPicPr>
+            <p:blipFill>
+              <a:blip r:embed="rId6">
+                <a:extLst>
+                  <a:ext uri="{28A0092B-C50C-407E-A947-70E740481C1C}">
+                    <a14:useLocalDpi xmlns:a14="http://schemas.microsoft.com/office/drawing/2010/main" val="0"/>
+                  </a:ext>
+                  <a:ext uri="{96DAC541-7B7A-43D3-8B79-37D633B846F1}">
+                    <asvg:svgBlip xmlns:asvg="http://schemas.microsoft.com/office/drawing/2016/SVG/main" r:embed="rId7"/>
+                  </a:ext>
+                </a:extLst>
+              </a:blip>
+              <a:stretch>
+                <a:fillRect/>
+              </a:stretch>
+            </p:blipFill>
+            <p:spPr>
+              <a:xfrm>
+                <a:off x="3709575" y="3274034"/>
+                <a:ext cx="914400" cy="914400"/>
+              </a:xfrm>
+              <a:prstGeom prst="rect">
+                <a:avLst/>
+              </a:prstGeom>
+            </p:spPr>
+          </p:pic>
+          <p:sp>
+            <p:nvSpPr>
+              <p:cNvPr id="44" name="文本框 43">
+                <a:extLst>
+                  <a:ext uri="{FF2B5EF4-FFF2-40B4-BE49-F238E27FC236}">
+                    <a16:creationId xmlns:a16="http://schemas.microsoft.com/office/drawing/2014/main" id="{CF89E504-F49C-1CCA-E980-A0524B658F84}"/>
+                  </a:ext>
+                </a:extLst>
+              </p:cNvPr>
+              <p:cNvSpPr txBox="1"/>
+              <p:nvPr/>
+            </p:nvSpPr>
+            <p:spPr>
+              <a:xfrm>
+                <a:off x="3151114" y="2627703"/>
+                <a:ext cx="2031326" cy="646331"/>
+              </a:xfrm>
+              <a:prstGeom prst="rect">
+                <a:avLst/>
+              </a:prstGeom>
+              <a:noFill/>
+            </p:spPr>
+            <p:txBody>
+              <a:bodyPr wrap="none" rtlCol="0">
+                <a:spAutoFit/>
+              </a:bodyPr>
+              <a:lstStyle/>
+              <a:p>
+                <a:pPr algn="ctr"/>
+                <a:r>
+                  <a:rPr lang="zh-CN" altLang="en-US" dirty="0">
+                    <a:latin typeface="思源宋体 CN" panose="02020400000000000000" pitchFamily="18" charset="-122"/>
+                    <a:ea typeface="思源宋体 CN" panose="02020400000000000000" pitchFamily="18" charset="-122"/>
+                  </a:rPr>
+                  <a:t>模块实现单元</a:t>
+                </a:r>
+                <a:endParaRPr lang="en-US" altLang="zh-CN" dirty="0">
+                  <a:latin typeface="思源宋体 CN" panose="02020400000000000000" pitchFamily="18" charset="-122"/>
+                  <a:ea typeface="思源宋体 CN" panose="02020400000000000000" pitchFamily="18" charset="-122"/>
+                </a:endParaRPr>
+              </a:p>
+              <a:p>
+                <a:pPr algn="ctr"/>
+                <a:r>
+                  <a:rPr lang="zh-CN" altLang="en-US" dirty="0">
+                    <a:latin typeface="思源宋体 CN" panose="02020400000000000000" pitchFamily="18" charset="-122"/>
+                    <a:ea typeface="思源宋体 CN" panose="02020400000000000000" pitchFamily="18" charset="-122"/>
+                  </a:rPr>
+                  <a:t>（功能同源文件）</a:t>
+                </a:r>
+              </a:p>
+            </p:txBody>
+          </p:sp>
+        </p:grpSp>
+        <p:cxnSp>
+          <p:nvCxnSpPr>
+            <p:cNvPr id="61" name="直接箭头连接符 60">
+              <a:extLst>
+                <a:ext uri="{FF2B5EF4-FFF2-40B4-BE49-F238E27FC236}">
+                  <a16:creationId xmlns:a16="http://schemas.microsoft.com/office/drawing/2014/main" id="{498CEB44-7537-7557-9037-CB3FC92C4FB9}"/>
+                </a:ext>
+              </a:extLst>
+            </p:cNvPr>
+            <p:cNvCxnSpPr>
+              <a:cxnSpLocks/>
+              <a:stCxn id="69" idx="3"/>
+              <a:endCxn id="72" idx="1"/>
+            </p:cNvCxnSpPr>
+            <p:nvPr/>
+          </p:nvCxnSpPr>
+          <p:spPr>
+            <a:xfrm>
+              <a:off x="5460620" y="2170503"/>
+              <a:ext cx="1541169" cy="0"/>
+            </a:xfrm>
+            <a:prstGeom prst="straightConnector1">
+              <a:avLst/>
+            </a:prstGeom>
+            <a:ln w="25400">
+              <a:solidFill>
+                <a:schemeClr val="tx1"/>
+              </a:solidFill>
+              <a:tailEnd type="triangle"/>
+            </a:ln>
+          </p:spPr>
+          <p:style>
+            <a:lnRef idx="1">
+              <a:schemeClr val="accent1"/>
+            </a:lnRef>
+            <a:fillRef idx="0">
+              <a:schemeClr val="accent1"/>
+            </a:fillRef>
+            <a:effectRef idx="0">
+              <a:schemeClr val="accent1"/>
+            </a:effectRef>
+            <a:fontRef idx="minor">
+              <a:schemeClr val="tx1"/>
+            </a:fontRef>
+          </p:style>
+        </p:cxnSp>
+        <p:sp>
+          <p:nvSpPr>
+            <p:cNvPr id="62" name="文本框 61">
+              <a:extLst>
+                <a:ext uri="{FF2B5EF4-FFF2-40B4-BE49-F238E27FC236}">
+                  <a16:creationId xmlns:a16="http://schemas.microsoft.com/office/drawing/2014/main" id="{7F0F20F3-E972-EF58-E130-88951F90A0A0}"/>
+                </a:ext>
+              </a:extLst>
+            </p:cNvPr>
+            <p:cNvSpPr txBox="1"/>
+            <p:nvPr/>
+          </p:nvSpPr>
+          <p:spPr>
+            <a:xfrm>
+              <a:off x="5791294" y="1801171"/>
+              <a:ext cx="646331" cy="369332"/>
+            </a:xfrm>
+            <a:prstGeom prst="rect">
+              <a:avLst/>
+            </a:prstGeom>
+            <a:noFill/>
+          </p:spPr>
+          <p:txBody>
+            <a:bodyPr wrap="none" rtlCol="0">
+              <a:spAutoFit/>
+            </a:bodyPr>
+            <a:lstStyle/>
+            <a:p>
+              <a:pPr algn="ctr"/>
+              <a:r>
+                <a:rPr lang="zh-CN" altLang="en-US" dirty="0">
+                  <a:latin typeface="思源宋体 CN" panose="02020400000000000000" pitchFamily="18" charset="-122"/>
+                  <a:ea typeface="思源宋体 CN" panose="02020400000000000000" pitchFamily="18" charset="-122"/>
+                </a:rPr>
+                <a:t>编译</a:t>
+              </a:r>
+            </a:p>
+          </p:txBody>
+        </p:sp>
+        <p:cxnSp>
+          <p:nvCxnSpPr>
+            <p:cNvPr id="63" name="直接箭头连接符 62">
+              <a:extLst>
+                <a:ext uri="{FF2B5EF4-FFF2-40B4-BE49-F238E27FC236}">
+                  <a16:creationId xmlns:a16="http://schemas.microsoft.com/office/drawing/2014/main" id="{19AD43AB-68CB-9B70-8ED4-02048C006F90}"/>
+                </a:ext>
+              </a:extLst>
+            </p:cNvPr>
+            <p:cNvCxnSpPr>
+              <a:cxnSpLocks/>
+              <a:stCxn id="75" idx="3"/>
+              <a:endCxn id="69" idx="1"/>
+            </p:cNvCxnSpPr>
+            <p:nvPr/>
+          </p:nvCxnSpPr>
+          <p:spPr>
+            <a:xfrm>
+              <a:off x="3005051" y="2170503"/>
+              <a:ext cx="1541169" cy="0"/>
+            </a:xfrm>
+            <a:prstGeom prst="straightConnector1">
+              <a:avLst/>
+            </a:prstGeom>
+            <a:ln w="25400">
+              <a:solidFill>
+                <a:schemeClr val="tx1"/>
+              </a:solidFill>
+              <a:tailEnd type="triangle"/>
+            </a:ln>
+          </p:spPr>
+          <p:style>
+            <a:lnRef idx="1">
+              <a:schemeClr val="accent1"/>
+            </a:lnRef>
+            <a:fillRef idx="0">
+              <a:schemeClr val="accent1"/>
+            </a:fillRef>
+            <a:effectRef idx="0">
+              <a:schemeClr val="accent1"/>
+            </a:effectRef>
+            <a:fontRef idx="minor">
+              <a:schemeClr val="tx1"/>
+            </a:fontRef>
+          </p:style>
+        </p:cxnSp>
+        <p:sp>
+          <p:nvSpPr>
+            <p:cNvPr id="64" name="文本框 63">
+              <a:extLst>
+                <a:ext uri="{FF2B5EF4-FFF2-40B4-BE49-F238E27FC236}">
+                  <a16:creationId xmlns:a16="http://schemas.microsoft.com/office/drawing/2014/main" id="{AC67B298-2E02-FED1-77DC-7D1A9ED97296}"/>
+                </a:ext>
+              </a:extLst>
+            </p:cNvPr>
+            <p:cNvSpPr txBox="1"/>
+            <p:nvPr/>
+          </p:nvSpPr>
+          <p:spPr>
+            <a:xfrm>
+              <a:off x="3221166" y="2170502"/>
+              <a:ext cx="1107996" cy="369332"/>
+            </a:xfrm>
+            <a:prstGeom prst="rect">
+              <a:avLst/>
+            </a:prstGeom>
+            <a:noFill/>
+          </p:spPr>
+          <p:txBody>
+            <a:bodyPr wrap="none" rtlCol="0">
+              <a:spAutoFit/>
+            </a:bodyPr>
+            <a:lstStyle/>
+            <a:p>
+              <a:pPr algn="ctr"/>
+              <a:r>
+                <a:rPr lang="zh-CN" altLang="en-US" dirty="0">
+                  <a:latin typeface="思源宋体 CN" panose="02020400000000000000" pitchFamily="18" charset="-122"/>
+                  <a:ea typeface="思源宋体 CN" panose="02020400000000000000" pitchFamily="18" charset="-122"/>
+                </a:rPr>
+                <a:t>直接使用</a:t>
+              </a:r>
+            </a:p>
+          </p:txBody>
+        </p:sp>
+        <p:grpSp>
+          <p:nvGrpSpPr>
+            <p:cNvPr id="68" name="组合 67">
+              <a:extLst>
+                <a:ext uri="{FF2B5EF4-FFF2-40B4-BE49-F238E27FC236}">
+                  <a16:creationId xmlns:a16="http://schemas.microsoft.com/office/drawing/2014/main" id="{895D1A2C-AD53-FEA4-15AB-627180D375CC}"/>
+                </a:ext>
+              </a:extLst>
+            </p:cNvPr>
+            <p:cNvGrpSpPr/>
+            <p:nvPr/>
+          </p:nvGrpSpPr>
+          <p:grpSpPr>
+            <a:xfrm>
+              <a:off x="4379050" y="1343971"/>
+              <a:ext cx="1248740" cy="1283732"/>
+              <a:chOff x="3542406" y="1343971"/>
+              <a:chExt cx="1248740" cy="1283732"/>
+            </a:xfrm>
+          </p:grpSpPr>
+          <p:pic>
+            <p:nvPicPr>
+              <p:cNvPr id="69" name="图形 68" descr="文档 纯色填充">
+                <a:extLst>
+                  <a:ext uri="{FF2B5EF4-FFF2-40B4-BE49-F238E27FC236}">
+                    <a16:creationId xmlns:a16="http://schemas.microsoft.com/office/drawing/2014/main" id="{EAF28AE4-2008-F8B4-E28E-6A8AF63CA40D}"/>
+                  </a:ext>
+                </a:extLst>
+              </p:cNvPr>
+              <p:cNvPicPr>
+                <a:picLocks noChangeAspect="1"/>
+              </p:cNvPicPr>
+              <p:nvPr/>
+            </p:nvPicPr>
+            <p:blipFill>
+              <a:blip r:embed="rId6">
+                <a:extLst>
+                  <a:ext uri="{28A0092B-C50C-407E-A947-70E740481C1C}">
+                    <a14:useLocalDpi xmlns:a14="http://schemas.microsoft.com/office/drawing/2010/main" val="0"/>
+                  </a:ext>
+                  <a:ext uri="{96DAC541-7B7A-43D3-8B79-37D633B846F1}">
+                    <asvg:svgBlip xmlns:asvg="http://schemas.microsoft.com/office/drawing/2016/SVG/main" r:embed="rId7"/>
+                  </a:ext>
+                </a:extLst>
+              </a:blip>
+              <a:stretch>
+                <a:fillRect/>
+              </a:stretch>
+            </p:blipFill>
+            <p:spPr>
+              <a:xfrm>
+                <a:off x="3709576" y="1713303"/>
+                <a:ext cx="914400" cy="914400"/>
+              </a:xfrm>
+              <a:prstGeom prst="rect">
+                <a:avLst/>
+              </a:prstGeom>
+            </p:spPr>
+          </p:pic>
+          <p:sp>
+            <p:nvSpPr>
+              <p:cNvPr id="70" name="文本框 69">
+                <a:extLst>
+                  <a:ext uri="{FF2B5EF4-FFF2-40B4-BE49-F238E27FC236}">
+                    <a16:creationId xmlns:a16="http://schemas.microsoft.com/office/drawing/2014/main" id="{BCDEACDF-CF62-B608-C8D6-01D63F652BC0}"/>
+                  </a:ext>
+                </a:extLst>
+              </p:cNvPr>
+              <p:cNvSpPr txBox="1"/>
+              <p:nvPr/>
+            </p:nvSpPr>
+            <p:spPr>
+              <a:xfrm>
+                <a:off x="3542406" y="1343971"/>
+                <a:ext cx="1248740" cy="369332"/>
+              </a:xfrm>
+              <a:prstGeom prst="rect">
+                <a:avLst/>
+              </a:prstGeom>
+              <a:noFill/>
+            </p:spPr>
+            <p:txBody>
+              <a:bodyPr wrap="none" rtlCol="0">
+                <a:spAutoFit/>
+              </a:bodyPr>
+              <a:lstStyle/>
+              <a:p>
+                <a:pPr algn="ctr"/>
+                <a:r>
+                  <a:rPr lang="en-US" altLang="zh-CN" dirty="0">
+                    <a:latin typeface="思源宋体 CN" panose="02020400000000000000" pitchFamily="18" charset="-122"/>
+                    <a:ea typeface="思源宋体 CN" panose="02020400000000000000" pitchFamily="18" charset="-122"/>
+                  </a:rPr>
+                  <a:t>main.cpp</a:t>
+                </a:r>
+                <a:endParaRPr lang="zh-CN" altLang="en-US" dirty="0">
+                  <a:latin typeface="思源宋体 CN" panose="02020400000000000000" pitchFamily="18" charset="-122"/>
+                  <a:ea typeface="思源宋体 CN" panose="02020400000000000000" pitchFamily="18" charset="-122"/>
+                </a:endParaRPr>
+              </a:p>
+            </p:txBody>
+          </p:sp>
+        </p:grpSp>
+        <p:grpSp>
+          <p:nvGrpSpPr>
+            <p:cNvPr id="71" name="组合 70">
+              <a:extLst>
+                <a:ext uri="{FF2B5EF4-FFF2-40B4-BE49-F238E27FC236}">
+                  <a16:creationId xmlns:a16="http://schemas.microsoft.com/office/drawing/2014/main" id="{ED4D6793-208E-D968-B8E5-36DF64362E01}"/>
+                </a:ext>
+              </a:extLst>
+            </p:cNvPr>
+            <p:cNvGrpSpPr/>
+            <p:nvPr/>
+          </p:nvGrpSpPr>
+          <p:grpSpPr>
+            <a:xfrm>
+              <a:off x="6904991" y="1066972"/>
+              <a:ext cx="1107996" cy="1560731"/>
+              <a:chOff x="6068347" y="1066972"/>
+              <a:chExt cx="1107996" cy="1560731"/>
+            </a:xfrm>
+          </p:grpSpPr>
+          <p:pic>
+            <p:nvPicPr>
+              <p:cNvPr id="72" name="图形 71" descr="纸张 纯色填充">
+                <a:extLst>
+                  <a:ext uri="{FF2B5EF4-FFF2-40B4-BE49-F238E27FC236}">
+                    <a16:creationId xmlns:a16="http://schemas.microsoft.com/office/drawing/2014/main" id="{0DE1DC9C-6CAE-BC62-F0DC-FB2E705AD970}"/>
+                  </a:ext>
+                </a:extLst>
+              </p:cNvPr>
+              <p:cNvPicPr>
+                <a:picLocks noChangeAspect="1"/>
+              </p:cNvPicPr>
+              <p:nvPr/>
+            </p:nvPicPr>
+            <p:blipFill>
+              <a:blip r:embed="rId2">
+                <a:extLst>
+                  <a:ext uri="{28A0092B-C50C-407E-A947-70E740481C1C}">
+                    <a14:useLocalDpi xmlns:a14="http://schemas.microsoft.com/office/drawing/2010/main" val="0"/>
+                  </a:ext>
+                  <a:ext uri="{96DAC541-7B7A-43D3-8B79-37D633B846F1}">
+                    <asvg:svgBlip xmlns:asvg="http://schemas.microsoft.com/office/drawing/2016/SVG/main" r:embed="rId3"/>
+                  </a:ext>
+                </a:extLst>
+              </a:blip>
+              <a:stretch>
+                <a:fillRect/>
+              </a:stretch>
+            </p:blipFill>
+            <p:spPr>
+              <a:xfrm>
+                <a:off x="6165145" y="1713303"/>
+                <a:ext cx="914400" cy="914400"/>
+              </a:xfrm>
+              <a:prstGeom prst="rect">
+                <a:avLst/>
+              </a:prstGeom>
+            </p:spPr>
+          </p:pic>
+          <p:sp>
+            <p:nvSpPr>
+              <p:cNvPr id="73" name="文本框 72">
+                <a:extLst>
+                  <a:ext uri="{FF2B5EF4-FFF2-40B4-BE49-F238E27FC236}">
+                    <a16:creationId xmlns:a16="http://schemas.microsoft.com/office/drawing/2014/main" id="{B5358FB6-D579-FEDE-4F35-32D56AA01AC7}"/>
+                  </a:ext>
+                </a:extLst>
+              </p:cNvPr>
+              <p:cNvSpPr txBox="1"/>
+              <p:nvPr/>
+            </p:nvSpPr>
+            <p:spPr>
+              <a:xfrm>
+                <a:off x="6068347" y="1066972"/>
+                <a:ext cx="1107996" cy="646331"/>
+              </a:xfrm>
+              <a:prstGeom prst="rect">
+                <a:avLst/>
+              </a:prstGeom>
+              <a:noFill/>
+            </p:spPr>
+            <p:txBody>
+              <a:bodyPr wrap="none" rtlCol="0">
+                <a:spAutoFit/>
+              </a:bodyPr>
+              <a:lstStyle/>
+              <a:p>
+                <a:pPr algn="ctr"/>
+                <a:r>
+                  <a:rPr lang="en-US" altLang="zh-CN" dirty="0">
+                    <a:latin typeface="思源宋体 CN" panose="02020400000000000000" pitchFamily="18" charset="-122"/>
+                    <a:ea typeface="思源宋体 CN" panose="02020400000000000000" pitchFamily="18" charset="-122"/>
+                  </a:rPr>
+                  <a:t>main </a:t>
+                </a:r>
+                <a:r>
+                  <a:rPr lang="zh-CN" altLang="en-US" dirty="0">
+                    <a:latin typeface="思源宋体 CN" panose="02020400000000000000" pitchFamily="18" charset="-122"/>
+                    <a:ea typeface="思源宋体 CN" panose="02020400000000000000" pitchFamily="18" charset="-122"/>
+                  </a:rPr>
+                  <a:t>的</a:t>
+                </a:r>
+                <a:endParaRPr lang="en-US" altLang="zh-CN" dirty="0">
+                  <a:latin typeface="思源宋体 CN" panose="02020400000000000000" pitchFamily="18" charset="-122"/>
+                  <a:ea typeface="思源宋体 CN" panose="02020400000000000000" pitchFamily="18" charset="-122"/>
+                </a:endParaRPr>
+              </a:p>
+              <a:p>
+                <a:pPr algn="ctr"/>
+                <a:r>
+                  <a:rPr lang="zh-CN" altLang="en-US" dirty="0">
+                    <a:latin typeface="思源宋体 CN" panose="02020400000000000000" pitchFamily="18" charset="-122"/>
+                    <a:ea typeface="思源宋体 CN" panose="02020400000000000000" pitchFamily="18" charset="-122"/>
+                  </a:rPr>
+                  <a:t>中间文件</a:t>
+                </a:r>
+              </a:p>
+            </p:txBody>
+          </p:sp>
+        </p:grpSp>
+        <p:grpSp>
+          <p:nvGrpSpPr>
+            <p:cNvPr id="74" name="组合 73">
+              <a:extLst>
+                <a:ext uri="{FF2B5EF4-FFF2-40B4-BE49-F238E27FC236}">
+                  <a16:creationId xmlns:a16="http://schemas.microsoft.com/office/drawing/2014/main" id="{007C29AF-1B70-1F47-526E-5072D3D09DED}"/>
+                </a:ext>
+              </a:extLst>
+            </p:cNvPr>
+            <p:cNvGrpSpPr/>
+            <p:nvPr/>
+          </p:nvGrpSpPr>
+          <p:grpSpPr>
+            <a:xfrm>
+              <a:off x="1763021" y="1066972"/>
+              <a:ext cx="1569660" cy="1560731"/>
+              <a:chOff x="926377" y="1066972"/>
+              <a:chExt cx="1569660" cy="1560731"/>
+            </a:xfrm>
+          </p:grpSpPr>
+          <p:pic>
+            <p:nvPicPr>
+              <p:cNvPr id="75" name="图形 74" descr="纸张 轮廓">
+                <a:extLst>
+                  <a:ext uri="{FF2B5EF4-FFF2-40B4-BE49-F238E27FC236}">
+                    <a16:creationId xmlns:a16="http://schemas.microsoft.com/office/drawing/2014/main" id="{7DF616DB-4614-619E-C48D-A11497FB58AD}"/>
+                  </a:ext>
+                </a:extLst>
+              </p:cNvPr>
+              <p:cNvPicPr>
+                <a:picLocks noChangeAspect="1"/>
+              </p:cNvPicPr>
+              <p:nvPr/>
+            </p:nvPicPr>
+            <p:blipFill>
+              <a:blip r:embed="rId8">
+                <a:extLst>
+                  <a:ext uri="{28A0092B-C50C-407E-A947-70E740481C1C}">
+                    <a14:useLocalDpi xmlns:a14="http://schemas.microsoft.com/office/drawing/2010/main" val="0"/>
+                  </a:ext>
+                  <a:ext uri="{96DAC541-7B7A-43D3-8B79-37D633B846F1}">
+                    <asvg:svgBlip xmlns:asvg="http://schemas.microsoft.com/office/drawing/2016/SVG/main" r:embed="rId9"/>
+                  </a:ext>
+                </a:extLst>
+              </a:blip>
+              <a:srcRect/>
+              <a:stretch/>
+            </p:blipFill>
+            <p:spPr>
+              <a:xfrm>
+                <a:off x="1254007" y="1713303"/>
+                <a:ext cx="914400" cy="914400"/>
+              </a:xfrm>
+              <a:prstGeom prst="rect">
+                <a:avLst/>
+              </a:prstGeom>
+            </p:spPr>
+          </p:pic>
+          <p:sp>
+            <p:nvSpPr>
+              <p:cNvPr id="76" name="文本框 75">
+                <a:extLst>
+                  <a:ext uri="{FF2B5EF4-FFF2-40B4-BE49-F238E27FC236}">
+                    <a16:creationId xmlns:a16="http://schemas.microsoft.com/office/drawing/2014/main" id="{C2FCAAD3-5460-FED2-70D0-7EB7395266D0}"/>
+                  </a:ext>
+                </a:extLst>
+              </p:cNvPr>
+              <p:cNvSpPr txBox="1"/>
+              <p:nvPr/>
+            </p:nvSpPr>
+            <p:spPr>
+              <a:xfrm>
+                <a:off x="926377" y="1066972"/>
+                <a:ext cx="1569660" cy="646331"/>
+              </a:xfrm>
+              <a:prstGeom prst="rect">
+                <a:avLst/>
+              </a:prstGeom>
+              <a:noFill/>
+            </p:spPr>
+            <p:txBody>
+              <a:bodyPr wrap="none" rtlCol="0">
+                <a:spAutoFit/>
+              </a:bodyPr>
+              <a:lstStyle/>
+              <a:p>
+                <a:pPr algn="ctr"/>
+                <a:r>
+                  <a:rPr lang="zh-CN" altLang="en-US" dirty="0">
+                    <a:latin typeface="思源宋体 CN" panose="02020400000000000000" pitchFamily="18" charset="-122"/>
+                    <a:ea typeface="思源宋体 CN" panose="02020400000000000000" pitchFamily="18" charset="-122"/>
+                  </a:rPr>
+                  <a:t>模块接口文件</a:t>
+                </a:r>
+                <a:endParaRPr lang="en-US" altLang="zh-CN" dirty="0">
+                  <a:latin typeface="思源宋体 CN" panose="02020400000000000000" pitchFamily="18" charset="-122"/>
+                  <a:ea typeface="思源宋体 CN" panose="02020400000000000000" pitchFamily="18" charset="-122"/>
+                </a:endParaRPr>
+              </a:p>
+              <a:p>
+                <a:pPr algn="ctr"/>
+                <a:r>
+                  <a:rPr lang="zh-CN" altLang="en-US" dirty="0">
+                    <a:latin typeface="思源宋体 CN" panose="02020400000000000000" pitchFamily="18" charset="-122"/>
+                    <a:ea typeface="思源宋体 CN" panose="02020400000000000000" pitchFamily="18" charset="-122"/>
+                  </a:rPr>
+                  <a:t>（缓存）</a:t>
+                </a:r>
+              </a:p>
+            </p:txBody>
+          </p:sp>
+        </p:grpSp>
+        <p:cxnSp>
+          <p:nvCxnSpPr>
+            <p:cNvPr id="81" name="直接箭头连接符 49">
+              <a:extLst>
+                <a:ext uri="{FF2B5EF4-FFF2-40B4-BE49-F238E27FC236}">
+                  <a16:creationId xmlns:a16="http://schemas.microsoft.com/office/drawing/2014/main" id="{F012D510-384D-A651-53DC-FFCA2FC9F028}"/>
+                </a:ext>
+              </a:extLst>
+            </p:cNvPr>
+            <p:cNvCxnSpPr>
+              <a:cxnSpLocks/>
+              <a:stCxn id="40" idx="1"/>
+              <a:endCxn id="75" idx="2"/>
+            </p:cNvCxnSpPr>
+            <p:nvPr/>
+          </p:nvCxnSpPr>
+          <p:spPr>
+            <a:xfrm rot="10800000">
+              <a:off x="2547852" y="2627703"/>
+              <a:ext cx="1998367" cy="2664262"/>
+            </a:xfrm>
+            <a:prstGeom prst="curvedConnector2">
+              <a:avLst/>
+            </a:prstGeom>
+            <a:ln w="25400">
+              <a:solidFill>
+                <a:schemeClr val="tx1"/>
+              </a:solidFill>
+              <a:tailEnd type="triangle"/>
+            </a:ln>
+          </p:spPr>
+          <p:style>
+            <a:lnRef idx="1">
+              <a:schemeClr val="accent1"/>
+            </a:lnRef>
+            <a:fillRef idx="0">
+              <a:schemeClr val="accent1"/>
+            </a:fillRef>
+            <a:effectRef idx="0">
+              <a:schemeClr val="accent1"/>
+            </a:effectRef>
+            <a:fontRef idx="minor">
+              <a:schemeClr val="tx1"/>
+            </a:fontRef>
+          </p:style>
+        </p:cxnSp>
+        <p:sp>
+          <p:nvSpPr>
+            <p:cNvPr id="84" name="文本框 83">
+              <a:extLst>
+                <a:ext uri="{FF2B5EF4-FFF2-40B4-BE49-F238E27FC236}">
+                  <a16:creationId xmlns:a16="http://schemas.microsoft.com/office/drawing/2014/main" id="{D4862434-00F9-023E-79D5-548AFE264343}"/>
+                </a:ext>
+              </a:extLst>
+            </p:cNvPr>
+            <p:cNvSpPr txBox="1"/>
+            <p:nvPr/>
+          </p:nvSpPr>
+          <p:spPr>
+            <a:xfrm>
+              <a:off x="2295912" y="4045632"/>
+              <a:ext cx="646332" cy="369332"/>
+            </a:xfrm>
+            <a:prstGeom prst="rect">
+              <a:avLst/>
+            </a:prstGeom>
+            <a:noFill/>
+          </p:spPr>
+          <p:txBody>
+            <a:bodyPr wrap="none" rtlCol="0">
+              <a:spAutoFit/>
+            </a:bodyPr>
+            <a:lstStyle/>
+            <a:p>
+              <a:pPr algn="ctr"/>
+              <a:r>
+                <a:rPr lang="zh-CN" altLang="en-US" dirty="0">
+                  <a:latin typeface="思源宋体 CN" panose="02020400000000000000" pitchFamily="18" charset="-122"/>
+                  <a:ea typeface="思源宋体 CN" panose="02020400000000000000" pitchFamily="18" charset="-122"/>
+                </a:rPr>
+                <a:t>编译</a:t>
+              </a:r>
+            </a:p>
+          </p:txBody>
+        </p:sp>
+        <p:cxnSp>
+          <p:nvCxnSpPr>
+            <p:cNvPr id="86" name="直接箭头连接符 85">
+              <a:extLst>
+                <a:ext uri="{FF2B5EF4-FFF2-40B4-BE49-F238E27FC236}">
+                  <a16:creationId xmlns:a16="http://schemas.microsoft.com/office/drawing/2014/main" id="{8AB160F1-4E68-E5A9-40C1-46C721D7D775}"/>
+                </a:ext>
+              </a:extLst>
+            </p:cNvPr>
+            <p:cNvCxnSpPr>
+              <a:cxnSpLocks/>
+              <a:stCxn id="75" idx="3"/>
+              <a:endCxn id="43" idx="1"/>
+            </p:cNvCxnSpPr>
+            <p:nvPr/>
+          </p:nvCxnSpPr>
+          <p:spPr>
+            <a:xfrm>
+              <a:off x="3005051" y="2170503"/>
+              <a:ext cx="1541168" cy="1560731"/>
+            </a:xfrm>
+            <a:prstGeom prst="straightConnector1">
+              <a:avLst/>
+            </a:prstGeom>
+            <a:ln w="25400">
+              <a:solidFill>
+                <a:schemeClr val="tx1"/>
+              </a:solidFill>
+              <a:tailEnd type="triangle"/>
+            </a:ln>
+          </p:spPr>
+          <p:style>
+            <a:lnRef idx="1">
+              <a:schemeClr val="accent1"/>
+            </a:lnRef>
+            <a:fillRef idx="0">
+              <a:schemeClr val="accent1"/>
+            </a:fillRef>
+            <a:effectRef idx="0">
+              <a:schemeClr val="accent1"/>
+            </a:effectRef>
+            <a:fontRef idx="minor">
+              <a:schemeClr val="tx1"/>
+            </a:fontRef>
+          </p:style>
+        </p:cxnSp>
+      </p:grpSp>
+    </p:spTree>
+    <p:extLst>
+      <p:ext uri="{BB962C8B-B14F-4D97-AF65-F5344CB8AC3E}">
+        <p14:creationId xmlns:p14="http://schemas.microsoft.com/office/powerpoint/2010/main" val="2246704338"/>
+      </p:ext>
+    </p:extLst>
+  </p:cSld>
+  <p:clrMapOvr>
+    <a:masterClrMapping/>
+  </p:clrMapOvr>
+</p:sld>
+</file>
+
 <file path=ppt/theme/theme1.xml><?xml version="1.0" encoding="utf-8"?>
 <a:theme xmlns:a="http://schemas.openxmlformats.org/drawingml/2006/main" name="Office 主题​​">
   <a:themeElements>

--- a/book/assets/figure-source.pptx
+++ b/book/assets/figure-source.pptx
@@ -7,6 +7,7 @@
   <p:sldIdLst>
     <p:sldId id="256" r:id="rId2"/>
     <p:sldId id="257" r:id="rId3"/>
+    <p:sldId id="258" r:id="rId4"/>
   </p:sldIdLst>
   <p:sldSz cx="12192000" cy="6858000"/>
   <p:notesSz cx="6858000" cy="9144000"/>
@@ -260,7 +261,7 @@
           <a:p>
             <a:fld id="{3D9CC106-C02A-482D-AED4-B55BF71F7C1D}" type="datetimeFigureOut">
               <a:rPr lang="zh-CN" altLang="en-US" smtClean="0"/>
-              <a:t>2022/8/4</a:t>
+              <a:t>2022/8/8</a:t>
             </a:fld>
             <a:endParaRPr lang="zh-CN" altLang="en-US"/>
           </a:p>
@@ -458,7 +459,7 @@
           <a:p>
             <a:fld id="{3D9CC106-C02A-482D-AED4-B55BF71F7C1D}" type="datetimeFigureOut">
               <a:rPr lang="zh-CN" altLang="en-US" smtClean="0"/>
-              <a:t>2022/8/4</a:t>
+              <a:t>2022/8/8</a:t>
             </a:fld>
             <a:endParaRPr lang="zh-CN" altLang="en-US"/>
           </a:p>
@@ -666,7 +667,7 @@
           <a:p>
             <a:fld id="{3D9CC106-C02A-482D-AED4-B55BF71F7C1D}" type="datetimeFigureOut">
               <a:rPr lang="zh-CN" altLang="en-US" smtClean="0"/>
-              <a:t>2022/8/4</a:t>
+              <a:t>2022/8/8</a:t>
             </a:fld>
             <a:endParaRPr lang="zh-CN" altLang="en-US"/>
           </a:p>
@@ -864,7 +865,7 @@
           <a:p>
             <a:fld id="{3D9CC106-C02A-482D-AED4-B55BF71F7C1D}" type="datetimeFigureOut">
               <a:rPr lang="zh-CN" altLang="en-US" smtClean="0"/>
-              <a:t>2022/8/4</a:t>
+              <a:t>2022/8/8</a:t>
             </a:fld>
             <a:endParaRPr lang="zh-CN" altLang="en-US"/>
           </a:p>
@@ -1139,7 +1140,7 @@
           <a:p>
             <a:fld id="{3D9CC106-C02A-482D-AED4-B55BF71F7C1D}" type="datetimeFigureOut">
               <a:rPr lang="zh-CN" altLang="en-US" smtClean="0"/>
-              <a:t>2022/8/4</a:t>
+              <a:t>2022/8/8</a:t>
             </a:fld>
             <a:endParaRPr lang="zh-CN" altLang="en-US"/>
           </a:p>
@@ -1404,7 +1405,7 @@
           <a:p>
             <a:fld id="{3D9CC106-C02A-482D-AED4-B55BF71F7C1D}" type="datetimeFigureOut">
               <a:rPr lang="zh-CN" altLang="en-US" smtClean="0"/>
-              <a:t>2022/8/4</a:t>
+              <a:t>2022/8/8</a:t>
             </a:fld>
             <a:endParaRPr lang="zh-CN" altLang="en-US"/>
           </a:p>
@@ -1816,7 +1817,7 @@
           <a:p>
             <a:fld id="{3D9CC106-C02A-482D-AED4-B55BF71F7C1D}" type="datetimeFigureOut">
               <a:rPr lang="zh-CN" altLang="en-US" smtClean="0"/>
-              <a:t>2022/8/4</a:t>
+              <a:t>2022/8/8</a:t>
             </a:fld>
             <a:endParaRPr lang="zh-CN" altLang="en-US"/>
           </a:p>
@@ -1957,7 +1958,7 @@
           <a:p>
             <a:fld id="{3D9CC106-C02A-482D-AED4-B55BF71F7C1D}" type="datetimeFigureOut">
               <a:rPr lang="zh-CN" altLang="en-US" smtClean="0"/>
-              <a:t>2022/8/4</a:t>
+              <a:t>2022/8/8</a:t>
             </a:fld>
             <a:endParaRPr lang="zh-CN" altLang="en-US"/>
           </a:p>
@@ -2070,7 +2071,7 @@
           <a:p>
             <a:fld id="{3D9CC106-C02A-482D-AED4-B55BF71F7C1D}" type="datetimeFigureOut">
               <a:rPr lang="zh-CN" altLang="en-US" smtClean="0"/>
-              <a:t>2022/8/4</a:t>
+              <a:t>2022/8/8</a:t>
             </a:fld>
             <a:endParaRPr lang="zh-CN" altLang="en-US"/>
           </a:p>
@@ -2381,7 +2382,7 @@
           <a:p>
             <a:fld id="{3D9CC106-C02A-482D-AED4-B55BF71F7C1D}" type="datetimeFigureOut">
               <a:rPr lang="zh-CN" altLang="en-US" smtClean="0"/>
-              <a:t>2022/8/4</a:t>
+              <a:t>2022/8/8</a:t>
             </a:fld>
             <a:endParaRPr lang="zh-CN" altLang="en-US"/>
           </a:p>
@@ -2669,7 +2670,7 @@
           <a:p>
             <a:fld id="{3D9CC106-C02A-482D-AED4-B55BF71F7C1D}" type="datetimeFigureOut">
               <a:rPr lang="zh-CN" altLang="en-US" smtClean="0"/>
-              <a:t>2022/8/4</a:t>
+              <a:t>2022/8/8</a:t>
             </a:fld>
             <a:endParaRPr lang="zh-CN" altLang="en-US"/>
           </a:p>
@@ -2910,7 +2911,7 @@
           <a:p>
             <a:fld id="{3D9CC106-C02A-482D-AED4-B55BF71F7C1D}" type="datetimeFigureOut">
               <a:rPr lang="zh-CN" altLang="en-US" smtClean="0"/>
-              <a:t>2022/8/4</a:t>
+              <a:t>2022/8/8</a:t>
             </a:fld>
             <a:endParaRPr lang="zh-CN" altLang="en-US"/>
           </a:p>
@@ -5975,6 +5976,448 @@
 </p:sld>
 </file>
 
+<file path=ppt/slides/slide3.xml><?xml version="1.0" encoding="utf-8"?>
+<p:sld xmlns:a="http://schemas.openxmlformats.org/drawingml/2006/main" xmlns:r="http://schemas.openxmlformats.org/officeDocument/2006/relationships" xmlns:p="http://schemas.openxmlformats.org/presentationml/2006/main">
+  <p:cSld>
+    <p:spTree>
+      <p:nvGrpSpPr>
+        <p:cNvPr id="1" name=""/>
+        <p:cNvGrpSpPr/>
+        <p:nvPr/>
+      </p:nvGrpSpPr>
+      <p:grpSpPr>
+        <a:xfrm>
+          <a:off x="0" y="0"/>
+          <a:ext cx="0" cy="0"/>
+          <a:chOff x="0" y="0"/>
+          <a:chExt cx="0" cy="0"/>
+        </a:xfrm>
+      </p:grpSpPr>
+      <p:grpSp>
+        <p:nvGrpSpPr>
+          <p:cNvPr id="10" name="组合 9">
+            <a:extLst>
+              <a:ext uri="{FF2B5EF4-FFF2-40B4-BE49-F238E27FC236}">
+                <a16:creationId xmlns:a16="http://schemas.microsoft.com/office/drawing/2014/main" id="{8A2B2FCE-6683-4F67-B865-AEAFBC8AB18A}"/>
+              </a:ext>
+            </a:extLst>
+          </p:cNvPr>
+          <p:cNvGrpSpPr/>
+          <p:nvPr/>
+        </p:nvGrpSpPr>
+        <p:grpSpPr>
+          <a:xfrm>
+            <a:off x="2767013" y="219075"/>
+            <a:ext cx="6657975" cy="6419850"/>
+            <a:chOff x="2767012" y="219075"/>
+            <a:chExt cx="6657975" cy="6419850"/>
+          </a:xfrm>
+        </p:grpSpPr>
+        <p:pic>
+          <p:nvPicPr>
+            <p:cNvPr id="3" name="图片 2">
+              <a:extLst>
+                <a:ext uri="{FF2B5EF4-FFF2-40B4-BE49-F238E27FC236}">
+                  <a16:creationId xmlns:a16="http://schemas.microsoft.com/office/drawing/2014/main" id="{6EE173A0-93B9-225C-4ADE-657B79F20A3B}"/>
+                </a:ext>
+              </a:extLst>
+            </p:cNvPr>
+            <p:cNvPicPr>
+              <a:picLocks noChangeAspect="1"/>
+            </p:cNvPicPr>
+            <p:nvPr/>
+          </p:nvPicPr>
+          <p:blipFill>
+            <a:blip r:embed="rId2">
+              <a:extLst>
+                <a:ext uri="{28A0092B-C50C-407E-A947-70E740481C1C}">
+                  <a14:useLocalDpi xmlns:a14="http://schemas.microsoft.com/office/drawing/2010/main" val="0"/>
+                </a:ext>
+              </a:extLst>
+            </a:blip>
+            <a:srcRect/>
+            <a:stretch/>
+          </p:blipFill>
+          <p:spPr>
+            <a:xfrm>
+              <a:off x="2767012" y="219075"/>
+              <a:ext cx="6657975" cy="6419850"/>
+            </a:xfrm>
+            <a:prstGeom prst="rect">
+              <a:avLst/>
+            </a:prstGeom>
+          </p:spPr>
+        </p:pic>
+        <p:sp>
+          <p:nvSpPr>
+            <p:cNvPr id="4" name="矩形 3">
+              <a:extLst>
+                <a:ext uri="{FF2B5EF4-FFF2-40B4-BE49-F238E27FC236}">
+                  <a16:creationId xmlns:a16="http://schemas.microsoft.com/office/drawing/2014/main" id="{AD49F65B-943A-C260-8169-234F76E2F101}"/>
+                </a:ext>
+              </a:extLst>
+            </p:cNvPr>
+            <p:cNvSpPr/>
+            <p:nvPr/>
+          </p:nvSpPr>
+          <p:spPr>
+            <a:xfrm>
+              <a:off x="2882264" y="5412105"/>
+              <a:ext cx="843281" cy="224789"/>
+            </a:xfrm>
+            <a:prstGeom prst="rect">
+              <a:avLst/>
+            </a:prstGeom>
+            <a:solidFill>
+              <a:schemeClr val="bg1"/>
+            </a:solidFill>
+            <a:ln>
+              <a:noFill/>
+            </a:ln>
+          </p:spPr>
+          <p:style>
+            <a:lnRef idx="2">
+              <a:schemeClr val="accent1">
+                <a:shade val="50000"/>
+              </a:schemeClr>
+            </a:lnRef>
+            <a:fillRef idx="1">
+              <a:schemeClr val="accent1"/>
+            </a:fillRef>
+            <a:effectRef idx="0">
+              <a:schemeClr val="accent1"/>
+            </a:effectRef>
+            <a:fontRef idx="minor">
+              <a:schemeClr val="lt1"/>
+            </a:fontRef>
+          </p:style>
+          <p:txBody>
+            <a:bodyPr rtlCol="0" anchor="ctr"/>
+            <a:lstStyle/>
+            <a:p>
+              <a:pPr algn="ctr"/>
+              <a:r>
+                <a:rPr lang="zh-CN" altLang="en-US" sz="1200" dirty="0">
+                  <a:solidFill>
+                    <a:srgbClr val="FF0000"/>
+                  </a:solidFill>
+                  <a:latin typeface="思源宋体 CN" panose="02020400000000000000" pitchFamily="18" charset="-122"/>
+                  <a:ea typeface="思源宋体 CN" panose="02020400000000000000" pitchFamily="18" charset="-122"/>
+                </a:rPr>
+                <a:t>配置项目</a:t>
+              </a:r>
+            </a:p>
+          </p:txBody>
+        </p:sp>
+        <p:sp>
+          <p:nvSpPr>
+            <p:cNvPr id="5" name="矩形 4">
+              <a:extLst>
+                <a:ext uri="{FF2B5EF4-FFF2-40B4-BE49-F238E27FC236}">
+                  <a16:creationId xmlns:a16="http://schemas.microsoft.com/office/drawing/2014/main" id="{7A6D3D95-FAA6-35A5-1870-731584350B4D}"/>
+                </a:ext>
+              </a:extLst>
+            </p:cNvPr>
+            <p:cNvSpPr/>
+            <p:nvPr/>
+          </p:nvSpPr>
+          <p:spPr>
+            <a:xfrm>
+              <a:off x="3825239" y="5412105"/>
+              <a:ext cx="843281" cy="224789"/>
+            </a:xfrm>
+            <a:prstGeom prst="rect">
+              <a:avLst/>
+            </a:prstGeom>
+            <a:solidFill>
+              <a:schemeClr val="bg1"/>
+            </a:solidFill>
+            <a:ln>
+              <a:noFill/>
+            </a:ln>
+          </p:spPr>
+          <p:style>
+            <a:lnRef idx="2">
+              <a:schemeClr val="accent1">
+                <a:shade val="50000"/>
+              </a:schemeClr>
+            </a:lnRef>
+            <a:fillRef idx="1">
+              <a:schemeClr val="accent1"/>
+            </a:fillRef>
+            <a:effectRef idx="0">
+              <a:schemeClr val="accent1"/>
+            </a:effectRef>
+            <a:fontRef idx="minor">
+              <a:schemeClr val="lt1"/>
+            </a:fontRef>
+          </p:style>
+          <p:txBody>
+            <a:bodyPr rtlCol="0" anchor="ctr"/>
+            <a:lstStyle/>
+            <a:p>
+              <a:pPr algn="ctr"/>
+              <a:r>
+                <a:rPr lang="zh-CN" altLang="en-US" sz="1200" dirty="0">
+                  <a:solidFill>
+                    <a:srgbClr val="FF0000"/>
+                  </a:solidFill>
+                  <a:latin typeface="思源宋体 CN" panose="02020400000000000000" pitchFamily="18" charset="-122"/>
+                  <a:ea typeface="思源宋体 CN" panose="02020400000000000000" pitchFamily="18" charset="-122"/>
+                </a:rPr>
+                <a:t>生成项目</a:t>
+              </a:r>
+            </a:p>
+          </p:txBody>
+        </p:sp>
+        <p:sp>
+          <p:nvSpPr>
+            <p:cNvPr id="6" name="矩形 5">
+              <a:extLst>
+                <a:ext uri="{FF2B5EF4-FFF2-40B4-BE49-F238E27FC236}">
+                  <a16:creationId xmlns:a16="http://schemas.microsoft.com/office/drawing/2014/main" id="{D87E2716-EE20-626D-52F0-DD3089BC2E61}"/>
+                </a:ext>
+              </a:extLst>
+            </p:cNvPr>
+            <p:cNvSpPr/>
+            <p:nvPr/>
+          </p:nvSpPr>
+          <p:spPr>
+            <a:xfrm>
+              <a:off x="5061584" y="944880"/>
+              <a:ext cx="2893696" cy="205740"/>
+            </a:xfrm>
+            <a:prstGeom prst="rect">
+              <a:avLst/>
+            </a:prstGeom>
+            <a:noFill/>
+            <a:ln>
+              <a:noFill/>
+            </a:ln>
+          </p:spPr>
+          <p:style>
+            <a:lnRef idx="2">
+              <a:schemeClr val="accent1">
+                <a:shade val="50000"/>
+              </a:schemeClr>
+            </a:lnRef>
+            <a:fillRef idx="1">
+              <a:schemeClr val="accent1"/>
+            </a:fillRef>
+            <a:effectRef idx="0">
+              <a:schemeClr val="accent1"/>
+            </a:effectRef>
+            <a:fontRef idx="minor">
+              <a:schemeClr val="lt1"/>
+            </a:fontRef>
+          </p:style>
+          <p:txBody>
+            <a:bodyPr rtlCol="0" anchor="ctr"/>
+            <a:lstStyle/>
+            <a:p>
+              <a:r>
+                <a:rPr lang="zh-CN" altLang="en-US" sz="1200" dirty="0">
+                  <a:solidFill>
+                    <a:srgbClr val="FF0000"/>
+                  </a:solidFill>
+                  <a:latin typeface="思源宋体 CN" panose="02020400000000000000" pitchFamily="18" charset="-122"/>
+                  <a:ea typeface="思源宋体 CN" panose="02020400000000000000" pitchFamily="18" charset="-122"/>
+                </a:rPr>
+                <a:t>源代码所在目录</a:t>
+              </a:r>
+            </a:p>
+          </p:txBody>
+        </p:sp>
+        <p:sp>
+          <p:nvSpPr>
+            <p:cNvPr id="7" name="矩形 6">
+              <a:extLst>
+                <a:ext uri="{FF2B5EF4-FFF2-40B4-BE49-F238E27FC236}">
+                  <a16:creationId xmlns:a16="http://schemas.microsoft.com/office/drawing/2014/main" id="{16CE0E48-A2B3-656A-414E-327A98568C90}"/>
+                </a:ext>
+              </a:extLst>
+            </p:cNvPr>
+            <p:cNvSpPr/>
+            <p:nvPr/>
+          </p:nvSpPr>
+          <p:spPr>
+            <a:xfrm>
+              <a:off x="5061584" y="1539240"/>
+              <a:ext cx="2893696" cy="169545"/>
+            </a:xfrm>
+            <a:prstGeom prst="rect">
+              <a:avLst/>
+            </a:prstGeom>
+            <a:noFill/>
+            <a:ln>
+              <a:noFill/>
+            </a:ln>
+          </p:spPr>
+          <p:style>
+            <a:lnRef idx="2">
+              <a:schemeClr val="accent1">
+                <a:shade val="50000"/>
+              </a:schemeClr>
+            </a:lnRef>
+            <a:fillRef idx="1">
+              <a:schemeClr val="accent1"/>
+            </a:fillRef>
+            <a:effectRef idx="0">
+              <a:schemeClr val="accent1"/>
+            </a:effectRef>
+            <a:fontRef idx="minor">
+              <a:schemeClr val="lt1"/>
+            </a:fontRef>
+          </p:style>
+          <p:txBody>
+            <a:bodyPr rtlCol="0" anchor="ctr"/>
+            <a:lstStyle/>
+            <a:p>
+              <a:r>
+                <a:rPr lang="zh-CN" altLang="en-US" sz="1200" dirty="0">
+                  <a:solidFill>
+                    <a:srgbClr val="FF0000"/>
+                  </a:solidFill>
+                  <a:latin typeface="思源宋体 CN" panose="02020400000000000000" pitchFamily="18" charset="-122"/>
+                  <a:ea typeface="思源宋体 CN" panose="02020400000000000000" pitchFamily="18" charset="-122"/>
+                </a:rPr>
+                <a:t>生成文件的目录</a:t>
+              </a:r>
+            </a:p>
+          </p:txBody>
+        </p:sp>
+        <p:sp>
+          <p:nvSpPr>
+            <p:cNvPr id="8" name="矩形 7">
+              <a:extLst>
+                <a:ext uri="{FF2B5EF4-FFF2-40B4-BE49-F238E27FC236}">
+                  <a16:creationId xmlns:a16="http://schemas.microsoft.com/office/drawing/2014/main" id="{22216DF6-4CFD-C091-448A-29A9DDD352D7}"/>
+                </a:ext>
+              </a:extLst>
+            </p:cNvPr>
+            <p:cNvSpPr/>
+            <p:nvPr/>
+          </p:nvSpPr>
+          <p:spPr>
+            <a:xfrm>
+              <a:off x="2865120" y="2156460"/>
+              <a:ext cx="6465570" cy="2815590"/>
+            </a:xfrm>
+            <a:prstGeom prst="rect">
+              <a:avLst/>
+            </a:prstGeom>
+            <a:noFill/>
+            <a:ln>
+              <a:noFill/>
+            </a:ln>
+          </p:spPr>
+          <p:style>
+            <a:lnRef idx="2">
+              <a:schemeClr val="accent1">
+                <a:shade val="50000"/>
+              </a:schemeClr>
+            </a:lnRef>
+            <a:fillRef idx="1">
+              <a:schemeClr val="accent1"/>
+            </a:fillRef>
+            <a:effectRef idx="0">
+              <a:schemeClr val="accent1"/>
+            </a:effectRef>
+            <a:fontRef idx="minor">
+              <a:schemeClr val="lt1"/>
+            </a:fontRef>
+          </p:style>
+          <p:txBody>
+            <a:bodyPr rtlCol="0" anchor="ctr"/>
+            <a:lstStyle/>
+            <a:p>
+              <a:pPr algn="ctr"/>
+              <a:r>
+                <a:rPr lang="zh-CN" altLang="en-US" dirty="0">
+                  <a:solidFill>
+                    <a:srgbClr val="FF0000"/>
+                  </a:solidFill>
+                  <a:latin typeface="思源宋体 CN" panose="02020400000000000000" pitchFamily="18" charset="-122"/>
+                  <a:ea typeface="思源宋体 CN" panose="02020400000000000000" pitchFamily="18" charset="-122"/>
+                </a:rPr>
+                <a:t>缓存变量列表</a:t>
+              </a:r>
+            </a:p>
+          </p:txBody>
+        </p:sp>
+        <p:sp>
+          <p:nvSpPr>
+            <p:cNvPr id="9" name="矩形 8">
+              <a:extLst>
+                <a:ext uri="{FF2B5EF4-FFF2-40B4-BE49-F238E27FC236}">
+                  <a16:creationId xmlns:a16="http://schemas.microsoft.com/office/drawing/2014/main" id="{3DC8F8DC-6BAF-967D-DA17-D7FA3126EF6B}"/>
+                </a:ext>
+              </a:extLst>
+            </p:cNvPr>
+            <p:cNvSpPr/>
+            <p:nvPr/>
+          </p:nvSpPr>
+          <p:spPr>
+            <a:xfrm>
+              <a:off x="2871216" y="5724145"/>
+              <a:ext cx="6459474" cy="804671"/>
+            </a:xfrm>
+            <a:prstGeom prst="rect">
+              <a:avLst/>
+            </a:prstGeom>
+            <a:noFill/>
+            <a:ln>
+              <a:noFill/>
+            </a:ln>
+          </p:spPr>
+          <p:style>
+            <a:lnRef idx="2">
+              <a:schemeClr val="accent1">
+                <a:shade val="50000"/>
+              </a:schemeClr>
+            </a:lnRef>
+            <a:fillRef idx="1">
+              <a:schemeClr val="accent1"/>
+            </a:fillRef>
+            <a:effectRef idx="0">
+              <a:schemeClr val="accent1"/>
+            </a:effectRef>
+            <a:fontRef idx="minor">
+              <a:schemeClr val="lt1"/>
+            </a:fontRef>
+          </p:style>
+          <p:txBody>
+            <a:bodyPr rtlCol="0" anchor="ctr"/>
+            <a:lstStyle/>
+            <a:p>
+              <a:pPr algn="ctr"/>
+              <a:r>
+                <a:rPr lang="zh-CN" altLang="en-US" dirty="0">
+                  <a:solidFill>
+                    <a:srgbClr val="FF0000"/>
+                  </a:solidFill>
+                  <a:latin typeface="思源宋体 CN" panose="02020400000000000000" pitchFamily="18" charset="-122"/>
+                  <a:ea typeface="思源宋体 CN" panose="02020400000000000000" pitchFamily="18" charset="-122"/>
+                </a:rPr>
+                <a:t>日志</a:t>
+              </a:r>
+            </a:p>
+          </p:txBody>
+        </p:sp>
+      </p:grpSp>
+    </p:spTree>
+    <p:extLst>
+      <p:ext uri="{BB962C8B-B14F-4D97-AF65-F5344CB8AC3E}">
+        <p14:creationId xmlns:p14="http://schemas.microsoft.com/office/powerpoint/2010/main" val="2163116564"/>
+      </p:ext>
+    </p:extLst>
+  </p:cSld>
+  <p:clrMapOvr>
+    <a:masterClrMapping/>
+  </p:clrMapOvr>
+</p:sld>
+</file>
+
 <file path=ppt/theme/theme1.xml><?xml version="1.0" encoding="utf-8"?>
 <a:theme xmlns:a="http://schemas.openxmlformats.org/drawingml/2006/main" name="Office 主题​​">
   <a:themeElements>

--- a/book/assets/figure-source.pptx
+++ b/book/assets/figure-source.pptx
@@ -261,7 +261,7 @@
           <a:p>
             <a:fld id="{3D9CC106-C02A-482D-AED4-B55BF71F7C1D}" type="datetimeFigureOut">
               <a:rPr lang="zh-CN" altLang="en-US" smtClean="0"/>
-              <a:t>2022/8/8</a:t>
+              <a:t>2022/8/11</a:t>
             </a:fld>
             <a:endParaRPr lang="zh-CN" altLang="en-US"/>
           </a:p>
@@ -459,7 +459,7 @@
           <a:p>
             <a:fld id="{3D9CC106-C02A-482D-AED4-B55BF71F7C1D}" type="datetimeFigureOut">
               <a:rPr lang="zh-CN" altLang="en-US" smtClean="0"/>
-              <a:t>2022/8/8</a:t>
+              <a:t>2022/8/11</a:t>
             </a:fld>
             <a:endParaRPr lang="zh-CN" altLang="en-US"/>
           </a:p>
@@ -667,7 +667,7 @@
           <a:p>
             <a:fld id="{3D9CC106-C02A-482D-AED4-B55BF71F7C1D}" type="datetimeFigureOut">
               <a:rPr lang="zh-CN" altLang="en-US" smtClean="0"/>
-              <a:t>2022/8/8</a:t>
+              <a:t>2022/8/11</a:t>
             </a:fld>
             <a:endParaRPr lang="zh-CN" altLang="en-US"/>
           </a:p>
@@ -865,7 +865,7 @@
           <a:p>
             <a:fld id="{3D9CC106-C02A-482D-AED4-B55BF71F7C1D}" type="datetimeFigureOut">
               <a:rPr lang="zh-CN" altLang="en-US" smtClean="0"/>
-              <a:t>2022/8/8</a:t>
+              <a:t>2022/8/11</a:t>
             </a:fld>
             <a:endParaRPr lang="zh-CN" altLang="en-US"/>
           </a:p>
@@ -1140,7 +1140,7 @@
           <a:p>
             <a:fld id="{3D9CC106-C02A-482D-AED4-B55BF71F7C1D}" type="datetimeFigureOut">
               <a:rPr lang="zh-CN" altLang="en-US" smtClean="0"/>
-              <a:t>2022/8/8</a:t>
+              <a:t>2022/8/11</a:t>
             </a:fld>
             <a:endParaRPr lang="zh-CN" altLang="en-US"/>
           </a:p>
@@ -1405,7 +1405,7 @@
           <a:p>
             <a:fld id="{3D9CC106-C02A-482D-AED4-B55BF71F7C1D}" type="datetimeFigureOut">
               <a:rPr lang="zh-CN" altLang="en-US" smtClean="0"/>
-              <a:t>2022/8/8</a:t>
+              <a:t>2022/8/11</a:t>
             </a:fld>
             <a:endParaRPr lang="zh-CN" altLang="en-US"/>
           </a:p>
@@ -1817,7 +1817,7 @@
           <a:p>
             <a:fld id="{3D9CC106-C02A-482D-AED4-B55BF71F7C1D}" type="datetimeFigureOut">
               <a:rPr lang="zh-CN" altLang="en-US" smtClean="0"/>
-              <a:t>2022/8/8</a:t>
+              <a:t>2022/8/11</a:t>
             </a:fld>
             <a:endParaRPr lang="zh-CN" altLang="en-US"/>
           </a:p>
@@ -1958,7 +1958,7 @@
           <a:p>
             <a:fld id="{3D9CC106-C02A-482D-AED4-B55BF71F7C1D}" type="datetimeFigureOut">
               <a:rPr lang="zh-CN" altLang="en-US" smtClean="0"/>
-              <a:t>2022/8/8</a:t>
+              <a:t>2022/8/11</a:t>
             </a:fld>
             <a:endParaRPr lang="zh-CN" altLang="en-US"/>
           </a:p>
@@ -2071,7 +2071,7 @@
           <a:p>
             <a:fld id="{3D9CC106-C02A-482D-AED4-B55BF71F7C1D}" type="datetimeFigureOut">
               <a:rPr lang="zh-CN" altLang="en-US" smtClean="0"/>
-              <a:t>2022/8/8</a:t>
+              <a:t>2022/8/11</a:t>
             </a:fld>
             <a:endParaRPr lang="zh-CN" altLang="en-US"/>
           </a:p>
@@ -2382,7 +2382,7 @@
           <a:p>
             <a:fld id="{3D9CC106-C02A-482D-AED4-B55BF71F7C1D}" type="datetimeFigureOut">
               <a:rPr lang="zh-CN" altLang="en-US" smtClean="0"/>
-              <a:t>2022/8/8</a:t>
+              <a:t>2022/8/11</a:t>
             </a:fld>
             <a:endParaRPr lang="zh-CN" altLang="en-US"/>
           </a:p>
@@ -2670,7 +2670,7 @@
           <a:p>
             <a:fld id="{3D9CC106-C02A-482D-AED4-B55BF71F7C1D}" type="datetimeFigureOut">
               <a:rPr lang="zh-CN" altLang="en-US" smtClean="0"/>
-              <a:t>2022/8/8</a:t>
+              <a:t>2022/8/11</a:t>
             </a:fld>
             <a:endParaRPr lang="zh-CN" altLang="en-US"/>
           </a:p>
@@ -2911,7 +2911,7 @@
           <a:p>
             <a:fld id="{3D9CC106-C02A-482D-AED4-B55BF71F7C1D}" type="datetimeFigureOut">
               <a:rPr lang="zh-CN" altLang="en-US" smtClean="0"/>
-              <a:t>2022/8/8</a:t>
+              <a:t>2022/8/11</a:t>
             </a:fld>
             <a:endParaRPr lang="zh-CN" altLang="en-US"/>
           </a:p>
@@ -5995,10 +5995,10 @@
       </p:grpSpPr>
       <p:grpSp>
         <p:nvGrpSpPr>
-          <p:cNvPr id="10" name="组合 9">
+          <p:cNvPr id="15" name="组合 14">
             <a:extLst>
               <a:ext uri="{FF2B5EF4-FFF2-40B4-BE49-F238E27FC236}">
-                <a16:creationId xmlns:a16="http://schemas.microsoft.com/office/drawing/2014/main" id="{8A2B2FCE-6683-4F67-B865-AEAFBC8AB18A}"/>
+                <a16:creationId xmlns:a16="http://schemas.microsoft.com/office/drawing/2014/main" id="{9B6739BE-1309-DB9B-20A0-9AC3F16FF1C8}"/>
               </a:ext>
             </a:extLst>
           </p:cNvPr>
@@ -6007,18 +6007,18 @@
         </p:nvGrpSpPr>
         <p:grpSpPr>
           <a:xfrm>
-            <a:off x="2767013" y="219075"/>
-            <a:ext cx="6657975" cy="6419850"/>
-            <a:chOff x="2767012" y="219075"/>
-            <a:chExt cx="6657975" cy="6419850"/>
+            <a:off x="3108701" y="1173285"/>
+            <a:ext cx="5974598" cy="4511431"/>
+            <a:chOff x="3108701" y="1173284"/>
+            <a:chExt cx="5974598" cy="4511431"/>
           </a:xfrm>
         </p:grpSpPr>
         <p:pic>
           <p:nvPicPr>
-            <p:cNvPr id="3" name="图片 2">
+            <p:cNvPr id="11" name="图片 10">
               <a:extLst>
                 <a:ext uri="{FF2B5EF4-FFF2-40B4-BE49-F238E27FC236}">
-                  <a16:creationId xmlns:a16="http://schemas.microsoft.com/office/drawing/2014/main" id="{6EE173A0-93B9-225C-4ADE-657B79F20A3B}"/>
+                  <a16:creationId xmlns:a16="http://schemas.microsoft.com/office/drawing/2014/main" id="{77894552-8821-1DE2-1796-3B9D04494EFD}"/>
                 </a:ext>
               </a:extLst>
             </p:cNvPr>
@@ -6028,148 +6028,21 @@
             <p:nvPr/>
           </p:nvPicPr>
           <p:blipFill>
-            <a:blip r:embed="rId2">
-              <a:extLst>
-                <a:ext uri="{28A0092B-C50C-407E-A947-70E740481C1C}">
-                  <a14:useLocalDpi xmlns:a14="http://schemas.microsoft.com/office/drawing/2010/main" val="0"/>
-                </a:ext>
-              </a:extLst>
-            </a:blip>
-            <a:srcRect/>
-            <a:stretch/>
+            <a:blip r:embed="rId2"/>
+            <a:stretch>
+              <a:fillRect/>
+            </a:stretch>
           </p:blipFill>
           <p:spPr>
             <a:xfrm>
-              <a:off x="2767012" y="219075"/>
-              <a:ext cx="6657975" cy="6419850"/>
+              <a:off x="3108701" y="1173284"/>
+              <a:ext cx="5974598" cy="4511431"/>
             </a:xfrm>
             <a:prstGeom prst="rect">
               <a:avLst/>
             </a:prstGeom>
           </p:spPr>
         </p:pic>
-        <p:sp>
-          <p:nvSpPr>
-            <p:cNvPr id="4" name="矩形 3">
-              <a:extLst>
-                <a:ext uri="{FF2B5EF4-FFF2-40B4-BE49-F238E27FC236}">
-                  <a16:creationId xmlns:a16="http://schemas.microsoft.com/office/drawing/2014/main" id="{AD49F65B-943A-C260-8169-234F76E2F101}"/>
-                </a:ext>
-              </a:extLst>
-            </p:cNvPr>
-            <p:cNvSpPr/>
-            <p:nvPr/>
-          </p:nvSpPr>
-          <p:spPr>
-            <a:xfrm>
-              <a:off x="2882264" y="5412105"/>
-              <a:ext cx="843281" cy="224789"/>
-            </a:xfrm>
-            <a:prstGeom prst="rect">
-              <a:avLst/>
-            </a:prstGeom>
-            <a:solidFill>
-              <a:schemeClr val="bg1"/>
-            </a:solidFill>
-            <a:ln>
-              <a:noFill/>
-            </a:ln>
-          </p:spPr>
-          <p:style>
-            <a:lnRef idx="2">
-              <a:schemeClr val="accent1">
-                <a:shade val="50000"/>
-              </a:schemeClr>
-            </a:lnRef>
-            <a:fillRef idx="1">
-              <a:schemeClr val="accent1"/>
-            </a:fillRef>
-            <a:effectRef idx="0">
-              <a:schemeClr val="accent1"/>
-            </a:effectRef>
-            <a:fontRef idx="minor">
-              <a:schemeClr val="lt1"/>
-            </a:fontRef>
-          </p:style>
-          <p:txBody>
-            <a:bodyPr rtlCol="0" anchor="ctr"/>
-            <a:lstStyle/>
-            <a:p>
-              <a:pPr algn="ctr"/>
-              <a:r>
-                <a:rPr lang="zh-CN" altLang="en-US" sz="1200" dirty="0">
-                  <a:solidFill>
-                    <a:srgbClr val="FF0000"/>
-                  </a:solidFill>
-                  <a:latin typeface="思源宋体 CN" panose="02020400000000000000" pitchFamily="18" charset="-122"/>
-                  <a:ea typeface="思源宋体 CN" panose="02020400000000000000" pitchFamily="18" charset="-122"/>
-                </a:rPr>
-                <a:t>配置项目</a:t>
-              </a:r>
-            </a:p>
-          </p:txBody>
-        </p:sp>
-        <p:sp>
-          <p:nvSpPr>
-            <p:cNvPr id="5" name="矩形 4">
-              <a:extLst>
-                <a:ext uri="{FF2B5EF4-FFF2-40B4-BE49-F238E27FC236}">
-                  <a16:creationId xmlns:a16="http://schemas.microsoft.com/office/drawing/2014/main" id="{7A6D3D95-FAA6-35A5-1870-731584350B4D}"/>
-                </a:ext>
-              </a:extLst>
-            </p:cNvPr>
-            <p:cNvSpPr/>
-            <p:nvPr/>
-          </p:nvSpPr>
-          <p:spPr>
-            <a:xfrm>
-              <a:off x="3825239" y="5412105"/>
-              <a:ext cx="843281" cy="224789"/>
-            </a:xfrm>
-            <a:prstGeom prst="rect">
-              <a:avLst/>
-            </a:prstGeom>
-            <a:solidFill>
-              <a:schemeClr val="bg1"/>
-            </a:solidFill>
-            <a:ln>
-              <a:noFill/>
-            </a:ln>
-          </p:spPr>
-          <p:style>
-            <a:lnRef idx="2">
-              <a:schemeClr val="accent1">
-                <a:shade val="50000"/>
-              </a:schemeClr>
-            </a:lnRef>
-            <a:fillRef idx="1">
-              <a:schemeClr val="accent1"/>
-            </a:fillRef>
-            <a:effectRef idx="0">
-              <a:schemeClr val="accent1"/>
-            </a:effectRef>
-            <a:fontRef idx="minor">
-              <a:schemeClr val="lt1"/>
-            </a:fontRef>
-          </p:style>
-          <p:txBody>
-            <a:bodyPr rtlCol="0" anchor="ctr"/>
-            <a:lstStyle/>
-            <a:p>
-              <a:pPr algn="ctr"/>
-              <a:r>
-                <a:rPr lang="zh-CN" altLang="en-US" sz="1200" dirty="0">
-                  <a:solidFill>
-                    <a:srgbClr val="FF0000"/>
-                  </a:solidFill>
-                  <a:latin typeface="思源宋体 CN" panose="02020400000000000000" pitchFamily="18" charset="-122"/>
-                  <a:ea typeface="思源宋体 CN" panose="02020400000000000000" pitchFamily="18" charset="-122"/>
-                </a:rPr>
-                <a:t>生成项目</a:t>
-              </a:r>
-            </a:p>
-          </p:txBody>
-        </p:sp>
         <p:sp>
           <p:nvSpPr>
             <p:cNvPr id="6" name="矩形 5">
@@ -6184,8 +6057,8 @@
           </p:nvSpPr>
           <p:spPr>
             <a:xfrm>
-              <a:off x="5061584" y="944880"/>
-              <a:ext cx="2893696" cy="205740"/>
+              <a:off x="4939665" y="1746885"/>
+              <a:ext cx="2874646" cy="173355"/>
             </a:xfrm>
             <a:prstGeom prst="rect">
               <a:avLst/>
@@ -6216,7 +6089,7 @@
             <a:lstStyle/>
             <a:p>
               <a:r>
-                <a:rPr lang="zh-CN" altLang="en-US" sz="1200" dirty="0">
+                <a:rPr lang="zh-CN" altLang="en-US" sz="1000" dirty="0">
                   <a:solidFill>
                     <a:srgbClr val="FF0000"/>
                   </a:solidFill>
@@ -6242,8 +6115,8 @@
           </p:nvSpPr>
           <p:spPr>
             <a:xfrm>
-              <a:off x="5061584" y="1539240"/>
-              <a:ext cx="2893696" cy="169545"/>
+              <a:off x="4939665" y="2226232"/>
+              <a:ext cx="2874646" cy="142858"/>
             </a:xfrm>
             <a:prstGeom prst="rect">
               <a:avLst/>
@@ -6274,7 +6147,7 @@
             <a:lstStyle/>
             <a:p>
               <a:r>
-                <a:rPr lang="zh-CN" altLang="en-US" sz="1200" dirty="0">
+                <a:rPr lang="zh-CN" altLang="en-US" sz="1000" dirty="0">
                   <a:solidFill>
                     <a:srgbClr val="FF0000"/>
                   </a:solidFill>
@@ -6300,8 +6173,8 @@
           </p:nvSpPr>
           <p:spPr>
             <a:xfrm>
-              <a:off x="2865120" y="2156460"/>
-              <a:ext cx="6465570" cy="2815590"/>
+              <a:off x="3190241" y="2722880"/>
+              <a:ext cx="5816599" cy="1620520"/>
             </a:xfrm>
             <a:prstGeom prst="rect">
               <a:avLst/>
@@ -6359,8 +6232,8 @@
           </p:nvSpPr>
           <p:spPr>
             <a:xfrm>
-              <a:off x="2871216" y="5724145"/>
-              <a:ext cx="6459474" cy="804671"/>
+              <a:off x="3190241" y="4943856"/>
+              <a:ext cx="5816599" cy="652273"/>
             </a:xfrm>
             <a:prstGeom prst="rect">
               <a:avLst/>
@@ -6400,6 +6273,128 @@
                   <a:ea typeface="思源宋体 CN" panose="02020400000000000000" pitchFamily="18" charset="-122"/>
                 </a:rPr>
                 <a:t>日志</a:t>
+              </a:r>
+            </a:p>
+          </p:txBody>
+        </p:sp>
+        <p:sp>
+          <p:nvSpPr>
+            <p:cNvPr id="12" name="矩形 11">
+              <a:extLst>
+                <a:ext uri="{FF2B5EF4-FFF2-40B4-BE49-F238E27FC236}">
+                  <a16:creationId xmlns:a16="http://schemas.microsoft.com/office/drawing/2014/main" id="{B7FF089A-A0E2-9685-F224-8D9CADA01E7A}"/>
+                </a:ext>
+              </a:extLst>
+            </p:cNvPr>
+            <p:cNvSpPr/>
+            <p:nvPr/>
+          </p:nvSpPr>
+          <p:spPr>
+            <a:xfrm>
+              <a:off x="3204209" y="4703445"/>
+              <a:ext cx="670561" cy="177166"/>
+            </a:xfrm>
+            <a:prstGeom prst="rect">
+              <a:avLst/>
+            </a:prstGeom>
+            <a:solidFill>
+              <a:schemeClr val="bg1"/>
+            </a:solidFill>
+            <a:ln>
+              <a:noFill/>
+            </a:ln>
+          </p:spPr>
+          <p:style>
+            <a:lnRef idx="2">
+              <a:schemeClr val="accent1">
+                <a:shade val="50000"/>
+              </a:schemeClr>
+            </a:lnRef>
+            <a:fillRef idx="1">
+              <a:schemeClr val="accent1"/>
+            </a:fillRef>
+            <a:effectRef idx="0">
+              <a:schemeClr val="accent1"/>
+            </a:effectRef>
+            <a:fontRef idx="minor">
+              <a:schemeClr val="lt1"/>
+            </a:fontRef>
+          </p:style>
+          <p:txBody>
+            <a:bodyPr rtlCol="0" anchor="ctr"/>
+            <a:lstStyle/>
+            <a:p>
+              <a:pPr algn="ctr"/>
+              <a:r>
+                <a:rPr lang="zh-CN" altLang="en-US" sz="900" dirty="0">
+                  <a:solidFill>
+                    <a:srgbClr val="FF0000"/>
+                  </a:solidFill>
+                  <a:latin typeface="思源宋体 CN" panose="02020400000000000000" pitchFamily="18" charset="-122"/>
+                  <a:ea typeface="思源宋体 CN" panose="02020400000000000000" pitchFamily="18" charset="-122"/>
+                </a:rPr>
+                <a:t>配置项目</a:t>
+              </a:r>
+            </a:p>
+          </p:txBody>
+        </p:sp>
+        <p:sp>
+          <p:nvSpPr>
+            <p:cNvPr id="13" name="矩形 12">
+              <a:extLst>
+                <a:ext uri="{FF2B5EF4-FFF2-40B4-BE49-F238E27FC236}">
+                  <a16:creationId xmlns:a16="http://schemas.microsoft.com/office/drawing/2014/main" id="{3959B0F4-C5D3-6289-2250-744BDC2CFAEE}"/>
+                </a:ext>
+              </a:extLst>
+            </p:cNvPr>
+            <p:cNvSpPr/>
+            <p:nvPr/>
+          </p:nvSpPr>
+          <p:spPr>
+            <a:xfrm>
+              <a:off x="3958588" y="4703444"/>
+              <a:ext cx="670561" cy="177166"/>
+            </a:xfrm>
+            <a:prstGeom prst="rect">
+              <a:avLst/>
+            </a:prstGeom>
+            <a:solidFill>
+              <a:schemeClr val="bg1"/>
+            </a:solidFill>
+            <a:ln>
+              <a:noFill/>
+            </a:ln>
+          </p:spPr>
+          <p:style>
+            <a:lnRef idx="2">
+              <a:schemeClr val="accent1">
+                <a:shade val="50000"/>
+              </a:schemeClr>
+            </a:lnRef>
+            <a:fillRef idx="1">
+              <a:schemeClr val="accent1"/>
+            </a:fillRef>
+            <a:effectRef idx="0">
+              <a:schemeClr val="accent1"/>
+            </a:effectRef>
+            <a:fontRef idx="minor">
+              <a:schemeClr val="lt1"/>
+            </a:fontRef>
+          </p:style>
+          <p:txBody>
+            <a:bodyPr rtlCol="0" anchor="ctr"/>
+            <a:lstStyle/>
+            <a:p>
+              <a:pPr algn="ctr"/>
+              <a:r>
+                <a:rPr lang="zh-CN" altLang="en-US" sz="900" dirty="0">
+                  <a:solidFill>
+                    <a:srgbClr val="FF0000"/>
+                  </a:solidFill>
+                  <a:latin typeface="思源宋体 CN" panose="02020400000000000000" pitchFamily="18" charset="-122"/>
+                  <a:ea typeface="思源宋体 CN" panose="02020400000000000000" pitchFamily="18" charset="-122"/>
+                </a:rPr>
+                <a:t>生成项目</a:t>
               </a:r>
             </a:p>
           </p:txBody>

--- a/book/assets/figure-source.pptx
+++ b/book/assets/figure-source.pptx
@@ -8,6 +8,7 @@
     <p:sldId id="256" r:id="rId2"/>
     <p:sldId id="257" r:id="rId3"/>
     <p:sldId id="258" r:id="rId4"/>
+    <p:sldId id="259" r:id="rId5"/>
   </p:sldIdLst>
   <p:sldSz cx="12192000" cy="6858000"/>
   <p:notesSz cx="6858000" cy="9144000"/>
@@ -261,7 +262,7 @@
           <a:p>
             <a:fld id="{3D9CC106-C02A-482D-AED4-B55BF71F7C1D}" type="datetimeFigureOut">
               <a:rPr lang="zh-CN" altLang="en-US" smtClean="0"/>
-              <a:t>2022/8/11</a:t>
+              <a:t>2022/8/16</a:t>
             </a:fld>
             <a:endParaRPr lang="zh-CN" altLang="en-US"/>
           </a:p>
@@ -459,7 +460,7 @@
           <a:p>
             <a:fld id="{3D9CC106-C02A-482D-AED4-B55BF71F7C1D}" type="datetimeFigureOut">
               <a:rPr lang="zh-CN" altLang="en-US" smtClean="0"/>
-              <a:t>2022/8/11</a:t>
+              <a:t>2022/8/16</a:t>
             </a:fld>
             <a:endParaRPr lang="zh-CN" altLang="en-US"/>
           </a:p>
@@ -667,7 +668,7 @@
           <a:p>
             <a:fld id="{3D9CC106-C02A-482D-AED4-B55BF71F7C1D}" type="datetimeFigureOut">
               <a:rPr lang="zh-CN" altLang="en-US" smtClean="0"/>
-              <a:t>2022/8/11</a:t>
+              <a:t>2022/8/16</a:t>
             </a:fld>
             <a:endParaRPr lang="zh-CN" altLang="en-US"/>
           </a:p>
@@ -865,7 +866,7 @@
           <a:p>
             <a:fld id="{3D9CC106-C02A-482D-AED4-B55BF71F7C1D}" type="datetimeFigureOut">
               <a:rPr lang="zh-CN" altLang="en-US" smtClean="0"/>
-              <a:t>2022/8/11</a:t>
+              <a:t>2022/8/16</a:t>
             </a:fld>
             <a:endParaRPr lang="zh-CN" altLang="en-US"/>
           </a:p>
@@ -1140,7 +1141,7 @@
           <a:p>
             <a:fld id="{3D9CC106-C02A-482D-AED4-B55BF71F7C1D}" type="datetimeFigureOut">
               <a:rPr lang="zh-CN" altLang="en-US" smtClean="0"/>
-              <a:t>2022/8/11</a:t>
+              <a:t>2022/8/16</a:t>
             </a:fld>
             <a:endParaRPr lang="zh-CN" altLang="en-US"/>
           </a:p>
@@ -1405,7 +1406,7 @@
           <a:p>
             <a:fld id="{3D9CC106-C02A-482D-AED4-B55BF71F7C1D}" type="datetimeFigureOut">
               <a:rPr lang="zh-CN" altLang="en-US" smtClean="0"/>
-              <a:t>2022/8/11</a:t>
+              <a:t>2022/8/16</a:t>
             </a:fld>
             <a:endParaRPr lang="zh-CN" altLang="en-US"/>
           </a:p>
@@ -1817,7 +1818,7 @@
           <a:p>
             <a:fld id="{3D9CC106-C02A-482D-AED4-B55BF71F7C1D}" type="datetimeFigureOut">
               <a:rPr lang="zh-CN" altLang="en-US" smtClean="0"/>
-              <a:t>2022/8/11</a:t>
+              <a:t>2022/8/16</a:t>
             </a:fld>
             <a:endParaRPr lang="zh-CN" altLang="en-US"/>
           </a:p>
@@ -1958,7 +1959,7 @@
           <a:p>
             <a:fld id="{3D9CC106-C02A-482D-AED4-B55BF71F7C1D}" type="datetimeFigureOut">
               <a:rPr lang="zh-CN" altLang="en-US" smtClean="0"/>
-              <a:t>2022/8/11</a:t>
+              <a:t>2022/8/16</a:t>
             </a:fld>
             <a:endParaRPr lang="zh-CN" altLang="en-US"/>
           </a:p>
@@ -2071,7 +2072,7 @@
           <a:p>
             <a:fld id="{3D9CC106-C02A-482D-AED4-B55BF71F7C1D}" type="datetimeFigureOut">
               <a:rPr lang="zh-CN" altLang="en-US" smtClean="0"/>
-              <a:t>2022/8/11</a:t>
+              <a:t>2022/8/16</a:t>
             </a:fld>
             <a:endParaRPr lang="zh-CN" altLang="en-US"/>
           </a:p>
@@ -2382,7 +2383,7 @@
           <a:p>
             <a:fld id="{3D9CC106-C02A-482D-AED4-B55BF71F7C1D}" type="datetimeFigureOut">
               <a:rPr lang="zh-CN" altLang="en-US" smtClean="0"/>
-              <a:t>2022/8/11</a:t>
+              <a:t>2022/8/16</a:t>
             </a:fld>
             <a:endParaRPr lang="zh-CN" altLang="en-US"/>
           </a:p>
@@ -2670,7 +2671,7 @@
           <a:p>
             <a:fld id="{3D9CC106-C02A-482D-AED4-B55BF71F7C1D}" type="datetimeFigureOut">
               <a:rPr lang="zh-CN" altLang="en-US" smtClean="0"/>
-              <a:t>2022/8/11</a:t>
+              <a:t>2022/8/16</a:t>
             </a:fld>
             <a:endParaRPr lang="zh-CN" altLang="en-US"/>
           </a:p>
@@ -2911,7 +2912,7 @@
           <a:p>
             <a:fld id="{3D9CC106-C02A-482D-AED4-B55BF71F7C1D}" type="datetimeFigureOut">
               <a:rPr lang="zh-CN" altLang="en-US" smtClean="0"/>
-              <a:t>2022/8/11</a:t>
+              <a:t>2022/8/16</a:t>
             </a:fld>
             <a:endParaRPr lang="zh-CN" altLang="en-US"/>
           </a:p>
@@ -4730,6 +4731,7 @@
             </p:cNvPr>
             <p:cNvCxnSpPr>
               <a:cxnSpLocks/>
+              <a:stCxn id="43" idx="3"/>
               <a:endCxn id="24" idx="1"/>
             </p:cNvCxnSpPr>
             <p:nvPr/>
@@ -6413,6 +6415,909 @@
 </p:sld>
 </file>
 
+<file path=ppt/slides/slide4.xml><?xml version="1.0" encoding="utf-8"?>
+<p:sld xmlns:a="http://schemas.openxmlformats.org/drawingml/2006/main" xmlns:r="http://schemas.openxmlformats.org/officeDocument/2006/relationships" xmlns:p="http://schemas.openxmlformats.org/presentationml/2006/main">
+  <p:cSld>
+    <p:spTree>
+      <p:nvGrpSpPr>
+        <p:cNvPr id="1" name=""/>
+        <p:cNvGrpSpPr/>
+        <p:nvPr/>
+      </p:nvGrpSpPr>
+      <p:grpSpPr>
+        <a:xfrm>
+          <a:off x="0" y="0"/>
+          <a:ext cx="0" cy="0"/>
+          <a:chOff x="0" y="0"/>
+          <a:chExt cx="0" cy="0"/>
+        </a:xfrm>
+      </p:grpSpPr>
+      <p:grpSp>
+        <p:nvGrpSpPr>
+          <p:cNvPr id="39" name="组合 38">
+            <a:extLst>
+              <a:ext uri="{FF2B5EF4-FFF2-40B4-BE49-F238E27FC236}">
+                <a16:creationId xmlns:a16="http://schemas.microsoft.com/office/drawing/2014/main" id="{ADC1BF0D-74E5-3BAD-E9D5-318FB5900B3E}"/>
+              </a:ext>
+            </a:extLst>
+          </p:cNvPr>
+          <p:cNvGrpSpPr/>
+          <p:nvPr/>
+        </p:nvGrpSpPr>
+        <p:grpSpPr>
+          <a:xfrm>
+            <a:off x="1929267" y="1827225"/>
+            <a:ext cx="8333467" cy="3203550"/>
+            <a:chOff x="1604028" y="1827225"/>
+            <a:chExt cx="8333467" cy="3203550"/>
+          </a:xfrm>
+        </p:grpSpPr>
+        <p:grpSp>
+          <p:nvGrpSpPr>
+            <p:cNvPr id="6" name="组合 5">
+              <a:extLst>
+                <a:ext uri="{FF2B5EF4-FFF2-40B4-BE49-F238E27FC236}">
+                  <a16:creationId xmlns:a16="http://schemas.microsoft.com/office/drawing/2014/main" id="{3F02ECEA-3B48-AB71-9B7A-072BC342D5E5}"/>
+                </a:ext>
+              </a:extLst>
+            </p:cNvPr>
+            <p:cNvGrpSpPr/>
+            <p:nvPr/>
+          </p:nvGrpSpPr>
+          <p:grpSpPr>
+            <a:xfrm>
+              <a:off x="1767059" y="2880428"/>
+              <a:ext cx="2520000" cy="1980000"/>
+              <a:chOff x="2290020" y="1075174"/>
+              <a:chExt cx="2520000" cy="1980000"/>
+            </a:xfrm>
+          </p:grpSpPr>
+          <p:sp>
+            <p:nvSpPr>
+              <p:cNvPr id="2" name="矩形 1">
+                <a:extLst>
+                  <a:ext uri="{FF2B5EF4-FFF2-40B4-BE49-F238E27FC236}">
+                    <a16:creationId xmlns:a16="http://schemas.microsoft.com/office/drawing/2014/main" id="{85652273-B28F-C248-4A81-212EECF188C8}"/>
+                  </a:ext>
+                </a:extLst>
+              </p:cNvPr>
+              <p:cNvSpPr/>
+              <p:nvPr/>
+            </p:nvSpPr>
+            <p:spPr>
+              <a:xfrm>
+                <a:off x="2290020" y="1075174"/>
+                <a:ext cx="2520000" cy="1980000"/>
+              </a:xfrm>
+              <a:prstGeom prst="rect">
+                <a:avLst/>
+              </a:prstGeom>
+              <a:noFill/>
+              <a:ln w="25400">
+                <a:solidFill>
+                  <a:schemeClr val="tx1"/>
+                </a:solidFill>
+              </a:ln>
+            </p:spPr>
+            <p:style>
+              <a:lnRef idx="2">
+                <a:schemeClr val="accent1">
+                  <a:shade val="50000"/>
+                </a:schemeClr>
+              </a:lnRef>
+              <a:fillRef idx="1">
+                <a:schemeClr val="accent1"/>
+              </a:fillRef>
+              <a:effectRef idx="0">
+                <a:schemeClr val="accent1"/>
+              </a:effectRef>
+              <a:fontRef idx="minor">
+                <a:schemeClr val="lt1"/>
+              </a:fontRef>
+            </p:style>
+            <p:txBody>
+              <a:bodyPr rtlCol="0" anchor="t"/>
+              <a:lstStyle/>
+              <a:p>
+                <a:pPr algn="ctr"/>
+                <a:r>
+                  <a:rPr lang="zh-CN" altLang="en-US" dirty="0">
+                    <a:solidFill>
+                      <a:schemeClr val="tx1"/>
+                    </a:solidFill>
+                    <a:latin typeface="思源宋体 CN" panose="02020400000000000000" pitchFamily="18" charset="-122"/>
+                    <a:ea typeface="思源宋体 CN" panose="02020400000000000000" pitchFamily="18" charset="-122"/>
+                  </a:rPr>
+                  <a:t>配置项目</a:t>
+                </a:r>
+                <a:endParaRPr lang="en-US" altLang="zh-CN" dirty="0">
+                  <a:solidFill>
+                    <a:schemeClr val="tx1"/>
+                  </a:solidFill>
+                  <a:latin typeface="思源宋体 CN" panose="02020400000000000000" pitchFamily="18" charset="-122"/>
+                  <a:ea typeface="思源宋体 CN" panose="02020400000000000000" pitchFamily="18" charset="-122"/>
+                </a:endParaRPr>
+              </a:p>
+              <a:p>
+                <a:pPr algn="ctr"/>
+                <a:r>
+                  <a:rPr lang="en-US" altLang="zh-CN" dirty="0">
+                    <a:solidFill>
+                      <a:schemeClr val="tx1"/>
+                    </a:solidFill>
+                    <a:latin typeface="思源宋体 CN" panose="02020400000000000000" pitchFamily="18" charset="-122"/>
+                    <a:ea typeface="思源宋体 CN" panose="02020400000000000000" pitchFamily="18" charset="-122"/>
+                  </a:rPr>
+                  <a:t>configure</a:t>
+                </a:r>
+                <a:endParaRPr lang="zh-CN" altLang="en-US" dirty="0">
+                  <a:solidFill>
+                    <a:schemeClr val="tx1"/>
+                  </a:solidFill>
+                  <a:latin typeface="思源宋体 CN" panose="02020400000000000000" pitchFamily="18" charset="-122"/>
+                  <a:ea typeface="思源宋体 CN" panose="02020400000000000000" pitchFamily="18" charset="-122"/>
+                </a:endParaRPr>
+              </a:p>
+            </p:txBody>
+          </p:sp>
+          <p:pic>
+            <p:nvPicPr>
+              <p:cNvPr id="3" name="图形 2" descr="文档 纯色填充">
+                <a:extLst>
+                  <a:ext uri="{FF2B5EF4-FFF2-40B4-BE49-F238E27FC236}">
+                    <a16:creationId xmlns:a16="http://schemas.microsoft.com/office/drawing/2014/main" id="{A5B9545F-AFCC-3452-2CA7-3ABAA76FDB43}"/>
+                  </a:ext>
+                </a:extLst>
+              </p:cNvPr>
+              <p:cNvPicPr>
+                <a:picLocks noChangeAspect="1"/>
+              </p:cNvPicPr>
+              <p:nvPr/>
+            </p:nvPicPr>
+            <p:blipFill>
+              <a:blip r:embed="rId2">
+                <a:extLst>
+                  <a:ext uri="{28A0092B-C50C-407E-A947-70E740481C1C}">
+                    <a14:useLocalDpi xmlns:a14="http://schemas.microsoft.com/office/drawing/2010/main" val="0"/>
+                  </a:ext>
+                  <a:ext uri="{96DAC541-7B7A-43D3-8B79-37D633B846F1}">
+                    <asvg:svgBlip xmlns:asvg="http://schemas.microsoft.com/office/drawing/2016/SVG/main" r:embed="rId3"/>
+                  </a:ext>
+                </a:extLst>
+              </a:blip>
+              <a:stretch>
+                <a:fillRect/>
+              </a:stretch>
+            </p:blipFill>
+            <p:spPr>
+              <a:xfrm>
+                <a:off x="3092820" y="1743334"/>
+                <a:ext cx="914400" cy="914400"/>
+              </a:xfrm>
+              <a:prstGeom prst="rect">
+                <a:avLst/>
+              </a:prstGeom>
+            </p:spPr>
+          </p:pic>
+          <p:sp>
+            <p:nvSpPr>
+              <p:cNvPr id="4" name="文本框 3">
+                <a:extLst>
+                  <a:ext uri="{FF2B5EF4-FFF2-40B4-BE49-F238E27FC236}">
+                    <a16:creationId xmlns:a16="http://schemas.microsoft.com/office/drawing/2014/main" id="{1086E28A-833A-27E3-EFE8-C041476B3C6A}"/>
+                  </a:ext>
+                </a:extLst>
+              </p:cNvPr>
+              <p:cNvSpPr txBox="1"/>
+              <p:nvPr/>
+            </p:nvSpPr>
+            <p:spPr>
+              <a:xfrm>
+                <a:off x="2549233" y="2657734"/>
+                <a:ext cx="2001574" cy="369332"/>
+              </a:xfrm>
+              <a:prstGeom prst="rect">
+                <a:avLst/>
+              </a:prstGeom>
+              <a:noFill/>
+            </p:spPr>
+            <p:txBody>
+              <a:bodyPr wrap="none" rtlCol="0">
+                <a:spAutoFit/>
+              </a:bodyPr>
+              <a:lstStyle/>
+              <a:p>
+                <a:pPr algn="ctr"/>
+                <a:r>
+                  <a:rPr lang="en-US" altLang="zh-CN" dirty="0">
+                    <a:latin typeface="思源宋体 CN" panose="02020400000000000000" pitchFamily="18" charset="-122"/>
+                    <a:ea typeface="思源宋体 CN" panose="02020400000000000000" pitchFamily="18" charset="-122"/>
+                  </a:rPr>
+                  <a:t>CMakeCache.txt</a:t>
+                </a:r>
+                <a:endParaRPr lang="zh-CN" altLang="en-US" dirty="0">
+                  <a:latin typeface="思源宋体 CN" panose="02020400000000000000" pitchFamily="18" charset="-122"/>
+                  <a:ea typeface="思源宋体 CN" panose="02020400000000000000" pitchFamily="18" charset="-122"/>
+                </a:endParaRPr>
+              </a:p>
+            </p:txBody>
+          </p:sp>
+        </p:grpSp>
+        <p:grpSp>
+          <p:nvGrpSpPr>
+            <p:cNvPr id="7" name="组合 6">
+              <a:extLst>
+                <a:ext uri="{FF2B5EF4-FFF2-40B4-BE49-F238E27FC236}">
+                  <a16:creationId xmlns:a16="http://schemas.microsoft.com/office/drawing/2014/main" id="{985CB910-183A-5887-96E0-66A6C917316C}"/>
+                </a:ext>
+              </a:extLst>
+            </p:cNvPr>
+            <p:cNvGrpSpPr/>
+            <p:nvPr/>
+          </p:nvGrpSpPr>
+          <p:grpSpPr>
+            <a:xfrm>
+              <a:off x="4571433" y="2880428"/>
+              <a:ext cx="2520000" cy="1980000"/>
+              <a:chOff x="2290020" y="1075174"/>
+              <a:chExt cx="2520000" cy="1980000"/>
+            </a:xfrm>
+          </p:grpSpPr>
+          <p:sp>
+            <p:nvSpPr>
+              <p:cNvPr id="8" name="矩形 7">
+                <a:extLst>
+                  <a:ext uri="{FF2B5EF4-FFF2-40B4-BE49-F238E27FC236}">
+                    <a16:creationId xmlns:a16="http://schemas.microsoft.com/office/drawing/2014/main" id="{D9086A4F-189B-0753-15B5-0E4483832762}"/>
+                  </a:ext>
+                </a:extLst>
+              </p:cNvPr>
+              <p:cNvSpPr/>
+              <p:nvPr/>
+            </p:nvSpPr>
+            <p:spPr>
+              <a:xfrm>
+                <a:off x="2290020" y="1075174"/>
+                <a:ext cx="2520000" cy="1980000"/>
+              </a:xfrm>
+              <a:prstGeom prst="rect">
+                <a:avLst/>
+              </a:prstGeom>
+              <a:noFill/>
+              <a:ln w="25400">
+                <a:solidFill>
+                  <a:schemeClr val="tx1"/>
+                </a:solidFill>
+              </a:ln>
+            </p:spPr>
+            <p:style>
+              <a:lnRef idx="2">
+                <a:schemeClr val="accent1">
+                  <a:shade val="50000"/>
+                </a:schemeClr>
+              </a:lnRef>
+              <a:fillRef idx="1">
+                <a:schemeClr val="accent1"/>
+              </a:fillRef>
+              <a:effectRef idx="0">
+                <a:schemeClr val="accent1"/>
+              </a:effectRef>
+              <a:fontRef idx="minor">
+                <a:schemeClr val="lt1"/>
+              </a:fontRef>
+            </p:style>
+            <p:txBody>
+              <a:bodyPr rtlCol="0" anchor="t"/>
+              <a:lstStyle/>
+              <a:p>
+                <a:pPr algn="ctr"/>
+                <a:r>
+                  <a:rPr lang="zh-CN" altLang="en-US" dirty="0">
+                    <a:solidFill>
+                      <a:schemeClr val="tx1"/>
+                    </a:solidFill>
+                    <a:latin typeface="思源宋体 CN" panose="02020400000000000000" pitchFamily="18" charset="-122"/>
+                    <a:ea typeface="思源宋体 CN" panose="02020400000000000000" pitchFamily="18" charset="-122"/>
+                  </a:rPr>
+                  <a:t>生成项目</a:t>
+                </a:r>
+                <a:endParaRPr lang="en-US" altLang="zh-CN" dirty="0">
+                  <a:solidFill>
+                    <a:schemeClr val="tx1"/>
+                  </a:solidFill>
+                  <a:latin typeface="思源宋体 CN" panose="02020400000000000000" pitchFamily="18" charset="-122"/>
+                  <a:ea typeface="思源宋体 CN" panose="02020400000000000000" pitchFamily="18" charset="-122"/>
+                </a:endParaRPr>
+              </a:p>
+              <a:p>
+                <a:pPr algn="ctr"/>
+                <a:r>
+                  <a:rPr lang="en-US" altLang="zh-CN" dirty="0">
+                    <a:solidFill>
+                      <a:schemeClr val="tx1"/>
+                    </a:solidFill>
+                    <a:latin typeface="思源宋体 CN" panose="02020400000000000000" pitchFamily="18" charset="-122"/>
+                    <a:ea typeface="思源宋体 CN" panose="02020400000000000000" pitchFamily="18" charset="-122"/>
+                  </a:rPr>
+                  <a:t>generate</a:t>
+                </a:r>
+                <a:endParaRPr lang="zh-CN" altLang="en-US" dirty="0">
+                  <a:solidFill>
+                    <a:schemeClr val="tx1"/>
+                  </a:solidFill>
+                  <a:latin typeface="思源宋体 CN" panose="02020400000000000000" pitchFamily="18" charset="-122"/>
+                  <a:ea typeface="思源宋体 CN" panose="02020400000000000000" pitchFamily="18" charset="-122"/>
+                </a:endParaRPr>
+              </a:p>
+            </p:txBody>
+          </p:sp>
+          <p:pic>
+            <p:nvPicPr>
+              <p:cNvPr id="9" name="图形 8" descr="文档 纯色填充">
+                <a:extLst>
+                  <a:ext uri="{FF2B5EF4-FFF2-40B4-BE49-F238E27FC236}">
+                    <a16:creationId xmlns:a16="http://schemas.microsoft.com/office/drawing/2014/main" id="{C5BA7007-2318-5E56-E4AE-D6135AE9B996}"/>
+                  </a:ext>
+                </a:extLst>
+              </p:cNvPr>
+              <p:cNvPicPr>
+                <a:picLocks noChangeAspect="1"/>
+              </p:cNvPicPr>
+              <p:nvPr/>
+            </p:nvPicPr>
+            <p:blipFill>
+              <a:blip r:embed="rId2">
+                <a:extLst>
+                  <a:ext uri="{28A0092B-C50C-407E-A947-70E740481C1C}">
+                    <a14:useLocalDpi xmlns:a14="http://schemas.microsoft.com/office/drawing/2010/main" val="0"/>
+                  </a:ext>
+                  <a:ext uri="{96DAC541-7B7A-43D3-8B79-37D633B846F1}">
+                    <asvg:svgBlip xmlns:asvg="http://schemas.microsoft.com/office/drawing/2016/SVG/main" r:embed="rId3"/>
+                  </a:ext>
+                </a:extLst>
+              </a:blip>
+              <a:stretch>
+                <a:fillRect/>
+              </a:stretch>
+            </p:blipFill>
+            <p:spPr>
+              <a:xfrm>
+                <a:off x="3092820" y="1743334"/>
+                <a:ext cx="914400" cy="914400"/>
+              </a:xfrm>
+              <a:prstGeom prst="rect">
+                <a:avLst/>
+              </a:prstGeom>
+            </p:spPr>
+          </p:pic>
+          <p:sp>
+            <p:nvSpPr>
+              <p:cNvPr id="10" name="文本框 9">
+                <a:extLst>
+                  <a:ext uri="{FF2B5EF4-FFF2-40B4-BE49-F238E27FC236}">
+                    <a16:creationId xmlns:a16="http://schemas.microsoft.com/office/drawing/2014/main" id="{73D0ADCD-1781-6FDF-06F0-7BF1356A9FD6}"/>
+                  </a:ext>
+                </a:extLst>
+              </p:cNvPr>
+              <p:cNvSpPr txBox="1"/>
+              <p:nvPr/>
+            </p:nvSpPr>
+            <p:spPr>
+              <a:xfrm>
+                <a:off x="2856369" y="2657734"/>
+                <a:ext cx="1387304" cy="369332"/>
+              </a:xfrm>
+              <a:prstGeom prst="rect">
+                <a:avLst/>
+              </a:prstGeom>
+              <a:noFill/>
+            </p:spPr>
+            <p:txBody>
+              <a:bodyPr wrap="none" rtlCol="0">
+                <a:spAutoFit/>
+              </a:bodyPr>
+              <a:lstStyle/>
+              <a:p>
+                <a:pPr algn="ctr"/>
+                <a:r>
+                  <a:rPr lang="en-US" altLang="zh-CN" dirty="0">
+                    <a:latin typeface="思源宋体 CN" panose="02020400000000000000" pitchFamily="18" charset="-122"/>
+                    <a:ea typeface="思源宋体 CN" panose="02020400000000000000" pitchFamily="18" charset="-122"/>
+                  </a:rPr>
+                  <a:t>Project.sln</a:t>
+                </a:r>
+                <a:endParaRPr lang="zh-CN" altLang="en-US" dirty="0">
+                  <a:latin typeface="思源宋体 CN" panose="02020400000000000000" pitchFamily="18" charset="-122"/>
+                  <a:ea typeface="思源宋体 CN" panose="02020400000000000000" pitchFamily="18" charset="-122"/>
+                </a:endParaRPr>
+              </a:p>
+            </p:txBody>
+          </p:sp>
+        </p:grpSp>
+        <p:sp>
+          <p:nvSpPr>
+            <p:cNvPr id="13" name="矩形 12">
+              <a:extLst>
+                <a:ext uri="{FF2B5EF4-FFF2-40B4-BE49-F238E27FC236}">
+                  <a16:creationId xmlns:a16="http://schemas.microsoft.com/office/drawing/2014/main" id="{0F9FA87C-E886-5623-BE6D-08696CC175A8}"/>
+                </a:ext>
+              </a:extLst>
+            </p:cNvPr>
+            <p:cNvSpPr/>
+            <p:nvPr/>
+          </p:nvSpPr>
+          <p:spPr>
+            <a:xfrm>
+              <a:off x="1604028" y="2197140"/>
+              <a:ext cx="5650436" cy="2833635"/>
+            </a:xfrm>
+            <a:prstGeom prst="rect">
+              <a:avLst/>
+            </a:prstGeom>
+            <a:noFill/>
+            <a:ln w="25400">
+              <a:solidFill>
+                <a:schemeClr val="tx1"/>
+              </a:solidFill>
+            </a:ln>
+          </p:spPr>
+          <p:style>
+            <a:lnRef idx="2">
+              <a:schemeClr val="accent1">
+                <a:shade val="50000"/>
+              </a:schemeClr>
+            </a:lnRef>
+            <a:fillRef idx="1">
+              <a:schemeClr val="accent1"/>
+            </a:fillRef>
+            <a:effectRef idx="0">
+              <a:schemeClr val="accent1"/>
+            </a:effectRef>
+            <a:fontRef idx="minor">
+              <a:schemeClr val="lt1"/>
+            </a:fontRef>
+          </p:style>
+          <p:txBody>
+            <a:bodyPr rtlCol="0" anchor="t"/>
+            <a:lstStyle/>
+            <a:p>
+              <a:pPr algn="ctr"/>
+              <a:r>
+                <a:rPr lang="zh-CN" altLang="en-US" dirty="0">
+                  <a:solidFill>
+                    <a:schemeClr val="tx1"/>
+                  </a:solidFill>
+                  <a:latin typeface="思源宋体 CN" panose="02020400000000000000" pitchFamily="18" charset="-122"/>
+                  <a:ea typeface="思源宋体 CN" panose="02020400000000000000" pitchFamily="18" charset="-122"/>
+                </a:rPr>
+                <a:t>配置项目</a:t>
+              </a:r>
+              <a:endParaRPr lang="en-US" altLang="zh-CN" dirty="0">
+                <a:solidFill>
+                  <a:schemeClr val="tx1"/>
+                </a:solidFill>
+                <a:latin typeface="思源宋体 CN" panose="02020400000000000000" pitchFamily="18" charset="-122"/>
+                <a:ea typeface="思源宋体 CN" panose="02020400000000000000" pitchFamily="18" charset="-122"/>
+              </a:endParaRPr>
+            </a:p>
+            <a:p>
+              <a:pPr algn="ctr"/>
+              <a:r>
+                <a:rPr lang="en-US" altLang="zh-CN" dirty="0">
+                  <a:solidFill>
+                    <a:schemeClr val="tx1"/>
+                  </a:solidFill>
+                  <a:latin typeface="思源宋体 CN" panose="02020400000000000000" pitchFamily="18" charset="-122"/>
+                  <a:ea typeface="思源宋体 CN" panose="02020400000000000000" pitchFamily="18" charset="-122"/>
+                </a:rPr>
+                <a:t>configure</a:t>
+              </a:r>
+              <a:endParaRPr lang="zh-CN" altLang="en-US" dirty="0">
+                <a:solidFill>
+                  <a:schemeClr val="tx1"/>
+                </a:solidFill>
+                <a:latin typeface="思源宋体 CN" panose="02020400000000000000" pitchFamily="18" charset="-122"/>
+                <a:ea typeface="思源宋体 CN" panose="02020400000000000000" pitchFamily="18" charset="-122"/>
+              </a:endParaRPr>
+            </a:p>
+          </p:txBody>
+        </p:sp>
+        <p:sp>
+          <p:nvSpPr>
+            <p:cNvPr id="14" name="文本框 13">
+              <a:extLst>
+                <a:ext uri="{FF2B5EF4-FFF2-40B4-BE49-F238E27FC236}">
+                  <a16:creationId xmlns:a16="http://schemas.microsoft.com/office/drawing/2014/main" id="{BC1AC0AB-8F29-BA3F-7B5F-15E3D0D6D678}"/>
+                </a:ext>
+              </a:extLst>
+            </p:cNvPr>
+            <p:cNvSpPr txBox="1"/>
+            <p:nvPr/>
+          </p:nvSpPr>
+          <p:spPr>
+            <a:xfrm>
+              <a:off x="1604028" y="1827225"/>
+              <a:ext cx="1107996" cy="369332"/>
+            </a:xfrm>
+            <a:prstGeom prst="rect">
+              <a:avLst/>
+            </a:prstGeom>
+            <a:noFill/>
+          </p:spPr>
+          <p:txBody>
+            <a:bodyPr wrap="none" rtlCol="0">
+              <a:spAutoFit/>
+            </a:bodyPr>
+            <a:lstStyle/>
+            <a:p>
+              <a:r>
+                <a:rPr lang="zh-CN" altLang="en-US" dirty="0">
+                  <a:latin typeface="思源宋体 CN" panose="02020400000000000000" pitchFamily="18" charset="-122"/>
+                  <a:ea typeface="思源宋体 CN" panose="02020400000000000000" pitchFamily="18" charset="-122"/>
+                </a:rPr>
+                <a:t>一般情况</a:t>
+              </a:r>
+            </a:p>
+          </p:txBody>
+        </p:sp>
+        <p:sp>
+          <p:nvSpPr>
+            <p:cNvPr id="15" name="文本框 14">
+              <a:extLst>
+                <a:ext uri="{FF2B5EF4-FFF2-40B4-BE49-F238E27FC236}">
+                  <a16:creationId xmlns:a16="http://schemas.microsoft.com/office/drawing/2014/main" id="{2AF805EE-6DD0-8AB7-0DEB-905E476EF7CE}"/>
+                </a:ext>
+              </a:extLst>
+            </p:cNvPr>
+            <p:cNvSpPr txBox="1"/>
+            <p:nvPr/>
+          </p:nvSpPr>
+          <p:spPr>
+            <a:xfrm>
+              <a:off x="1767059" y="2512651"/>
+              <a:ext cx="1362874" cy="369332"/>
+            </a:xfrm>
+            <a:prstGeom prst="rect">
+              <a:avLst/>
+            </a:prstGeom>
+            <a:noFill/>
+          </p:spPr>
+          <p:txBody>
+            <a:bodyPr wrap="square" rtlCol="0">
+              <a:spAutoFit/>
+            </a:bodyPr>
+            <a:lstStyle/>
+            <a:p>
+              <a:r>
+                <a:rPr lang="en-US" altLang="zh-CN" dirty="0" err="1">
+                  <a:latin typeface="思源宋体 CN" panose="02020400000000000000" pitchFamily="18" charset="-122"/>
+                  <a:ea typeface="思源宋体 CN" panose="02020400000000000000" pitchFamily="18" charset="-122"/>
+                </a:rPr>
+                <a:t>cmake-gui</a:t>
+              </a:r>
+              <a:endParaRPr lang="zh-CN" altLang="en-US" dirty="0">
+                <a:latin typeface="思源宋体 CN" panose="02020400000000000000" pitchFamily="18" charset="-122"/>
+                <a:ea typeface="思源宋体 CN" panose="02020400000000000000" pitchFamily="18" charset="-122"/>
+              </a:endParaRPr>
+            </a:p>
+          </p:txBody>
+        </p:sp>
+        <p:grpSp>
+          <p:nvGrpSpPr>
+            <p:cNvPr id="20" name="组合 19">
+              <a:extLst>
+                <a:ext uri="{FF2B5EF4-FFF2-40B4-BE49-F238E27FC236}">
+                  <a16:creationId xmlns:a16="http://schemas.microsoft.com/office/drawing/2014/main" id="{8D635994-F78A-667A-228B-1E4E1694634D}"/>
+                </a:ext>
+              </a:extLst>
+            </p:cNvPr>
+            <p:cNvGrpSpPr/>
+            <p:nvPr/>
+          </p:nvGrpSpPr>
+          <p:grpSpPr>
+            <a:xfrm>
+              <a:off x="7417495" y="2880428"/>
+              <a:ext cx="2520000" cy="1980000"/>
+              <a:chOff x="2290020" y="1075174"/>
+              <a:chExt cx="2520000" cy="1980000"/>
+            </a:xfrm>
+          </p:grpSpPr>
+          <p:sp>
+            <p:nvSpPr>
+              <p:cNvPr id="21" name="矩形 20">
+                <a:extLst>
+                  <a:ext uri="{FF2B5EF4-FFF2-40B4-BE49-F238E27FC236}">
+                    <a16:creationId xmlns:a16="http://schemas.microsoft.com/office/drawing/2014/main" id="{C641E76C-DB64-8856-1A39-86DF1228F4CC}"/>
+                  </a:ext>
+                </a:extLst>
+              </p:cNvPr>
+              <p:cNvSpPr/>
+              <p:nvPr/>
+            </p:nvSpPr>
+            <p:spPr>
+              <a:xfrm>
+                <a:off x="2290020" y="1075174"/>
+                <a:ext cx="2520000" cy="1980000"/>
+              </a:xfrm>
+              <a:prstGeom prst="rect">
+                <a:avLst/>
+              </a:prstGeom>
+              <a:noFill/>
+              <a:ln w="25400">
+                <a:solidFill>
+                  <a:schemeClr val="tx1"/>
+                </a:solidFill>
+              </a:ln>
+            </p:spPr>
+            <p:style>
+              <a:lnRef idx="2">
+                <a:schemeClr val="accent1">
+                  <a:shade val="50000"/>
+                </a:schemeClr>
+              </a:lnRef>
+              <a:fillRef idx="1">
+                <a:schemeClr val="accent1"/>
+              </a:fillRef>
+              <a:effectRef idx="0">
+                <a:schemeClr val="accent1"/>
+              </a:effectRef>
+              <a:fontRef idx="minor">
+                <a:schemeClr val="lt1"/>
+              </a:fontRef>
+            </p:style>
+            <p:txBody>
+              <a:bodyPr rtlCol="0" anchor="t"/>
+              <a:lstStyle/>
+              <a:p>
+                <a:pPr algn="ctr"/>
+                <a:r>
+                  <a:rPr lang="zh-CN" altLang="en-US" dirty="0">
+                    <a:solidFill>
+                      <a:schemeClr val="tx1"/>
+                    </a:solidFill>
+                    <a:latin typeface="思源宋体 CN" panose="02020400000000000000" pitchFamily="18" charset="-122"/>
+                    <a:ea typeface="思源宋体 CN" panose="02020400000000000000" pitchFamily="18" charset="-122"/>
+                  </a:rPr>
+                  <a:t>生成 </a:t>
+                </a:r>
+                <a:r>
+                  <a:rPr lang="en-US" altLang="zh-CN" dirty="0">
+                    <a:solidFill>
+                      <a:schemeClr val="tx1"/>
+                    </a:solidFill>
+                    <a:latin typeface="思源宋体 CN" panose="02020400000000000000" pitchFamily="18" charset="-122"/>
+                    <a:ea typeface="思源宋体 CN" panose="02020400000000000000" pitchFamily="18" charset="-122"/>
+                  </a:rPr>
+                  <a:t>C++ </a:t>
+                </a:r>
+                <a:r>
+                  <a:rPr lang="zh-CN" altLang="en-US" dirty="0">
+                    <a:solidFill>
+                      <a:schemeClr val="tx1"/>
+                    </a:solidFill>
+                    <a:latin typeface="思源宋体 CN" panose="02020400000000000000" pitchFamily="18" charset="-122"/>
+                    <a:ea typeface="思源宋体 CN" panose="02020400000000000000" pitchFamily="18" charset="-122"/>
+                  </a:rPr>
+                  <a:t>程序</a:t>
+                </a:r>
+                <a:endParaRPr lang="en-US" altLang="zh-CN" dirty="0">
+                  <a:solidFill>
+                    <a:schemeClr val="tx1"/>
+                  </a:solidFill>
+                  <a:latin typeface="思源宋体 CN" panose="02020400000000000000" pitchFamily="18" charset="-122"/>
+                  <a:ea typeface="思源宋体 CN" panose="02020400000000000000" pitchFamily="18" charset="-122"/>
+                </a:endParaRPr>
+              </a:p>
+              <a:p>
+                <a:pPr algn="ctr"/>
+                <a:r>
+                  <a:rPr lang="en-US" altLang="zh-CN" dirty="0">
+                    <a:solidFill>
+                      <a:schemeClr val="tx1"/>
+                    </a:solidFill>
+                    <a:latin typeface="思源宋体 CN" panose="02020400000000000000" pitchFamily="18" charset="-122"/>
+                    <a:ea typeface="思源宋体 CN" panose="02020400000000000000" pitchFamily="18" charset="-122"/>
+                  </a:rPr>
+                  <a:t>build</a:t>
+                </a:r>
+                <a:endParaRPr lang="zh-CN" altLang="en-US" dirty="0">
+                  <a:solidFill>
+                    <a:schemeClr val="tx1"/>
+                  </a:solidFill>
+                  <a:latin typeface="思源宋体 CN" panose="02020400000000000000" pitchFamily="18" charset="-122"/>
+                  <a:ea typeface="思源宋体 CN" panose="02020400000000000000" pitchFamily="18" charset="-122"/>
+                </a:endParaRPr>
+              </a:p>
+            </p:txBody>
+          </p:sp>
+          <p:pic>
+            <p:nvPicPr>
+              <p:cNvPr id="22" name="图形 21" descr="浏览器窗口 纯色填充">
+                <a:extLst>
+                  <a:ext uri="{FF2B5EF4-FFF2-40B4-BE49-F238E27FC236}">
+                    <a16:creationId xmlns:a16="http://schemas.microsoft.com/office/drawing/2014/main" id="{150A5953-4994-43CA-A7CA-3CDC34DF636D}"/>
+                  </a:ext>
+                </a:extLst>
+              </p:cNvPr>
+              <p:cNvPicPr>
+                <a:picLocks noChangeAspect="1"/>
+              </p:cNvPicPr>
+              <p:nvPr/>
+            </p:nvPicPr>
+            <p:blipFill>
+              <a:blip r:embed="rId4">
+                <a:extLst>
+                  <a:ext uri="{28A0092B-C50C-407E-A947-70E740481C1C}">
+                    <a14:useLocalDpi xmlns:a14="http://schemas.microsoft.com/office/drawing/2010/main" val="0"/>
+                  </a:ext>
+                  <a:ext uri="{96DAC541-7B7A-43D3-8B79-37D633B846F1}">
+                    <asvg:svgBlip xmlns:asvg="http://schemas.microsoft.com/office/drawing/2016/SVG/main" r:embed="rId5"/>
+                  </a:ext>
+                </a:extLst>
+              </a:blip>
+              <a:srcRect/>
+              <a:stretch/>
+            </p:blipFill>
+            <p:spPr>
+              <a:xfrm>
+                <a:off x="3092820" y="1743334"/>
+                <a:ext cx="914400" cy="914400"/>
+              </a:xfrm>
+              <a:prstGeom prst="rect">
+                <a:avLst/>
+              </a:prstGeom>
+            </p:spPr>
+          </p:pic>
+          <p:sp>
+            <p:nvSpPr>
+              <p:cNvPr id="23" name="文本框 22">
+                <a:extLst>
+                  <a:ext uri="{FF2B5EF4-FFF2-40B4-BE49-F238E27FC236}">
+                    <a16:creationId xmlns:a16="http://schemas.microsoft.com/office/drawing/2014/main" id="{A0D0A47C-E58B-2EA4-0BED-1C6245456A66}"/>
+                  </a:ext>
+                </a:extLst>
+              </p:cNvPr>
+              <p:cNvSpPr txBox="1"/>
+              <p:nvPr/>
+            </p:nvSpPr>
+            <p:spPr>
+              <a:xfrm>
+                <a:off x="2836780" y="2657734"/>
+                <a:ext cx="1426481" cy="369332"/>
+              </a:xfrm>
+              <a:prstGeom prst="rect">
+                <a:avLst/>
+              </a:prstGeom>
+              <a:noFill/>
+            </p:spPr>
+            <p:txBody>
+              <a:bodyPr wrap="none" rtlCol="0">
+                <a:spAutoFit/>
+              </a:bodyPr>
+              <a:lstStyle/>
+              <a:p>
+                <a:pPr algn="ctr"/>
+                <a:r>
+                  <a:rPr lang="en-US" altLang="zh-CN" dirty="0">
+                    <a:latin typeface="思源宋体 CN" panose="02020400000000000000" pitchFamily="18" charset="-122"/>
+                    <a:ea typeface="思源宋体 CN" panose="02020400000000000000" pitchFamily="18" charset="-122"/>
+                  </a:rPr>
+                  <a:t>Project.exe</a:t>
+                </a:r>
+                <a:endParaRPr lang="zh-CN" altLang="en-US" dirty="0">
+                  <a:latin typeface="思源宋体 CN" panose="02020400000000000000" pitchFamily="18" charset="-122"/>
+                  <a:ea typeface="思源宋体 CN" panose="02020400000000000000" pitchFamily="18" charset="-122"/>
+                </a:endParaRPr>
+              </a:p>
+            </p:txBody>
+          </p:sp>
+        </p:grpSp>
+        <p:cxnSp>
+          <p:nvCxnSpPr>
+            <p:cNvPr id="31" name="直接箭头连接符 30">
+              <a:extLst>
+                <a:ext uri="{FF2B5EF4-FFF2-40B4-BE49-F238E27FC236}">
+                  <a16:creationId xmlns:a16="http://schemas.microsoft.com/office/drawing/2014/main" id="{C4A68FFE-8A62-BB52-1BBD-B7D213F7E101}"/>
+                </a:ext>
+              </a:extLst>
+            </p:cNvPr>
+            <p:cNvCxnSpPr>
+              <a:cxnSpLocks/>
+              <a:stCxn id="2" idx="3"/>
+              <a:endCxn id="8" idx="1"/>
+            </p:cNvCxnSpPr>
+            <p:nvPr/>
+          </p:nvCxnSpPr>
+          <p:spPr>
+            <a:xfrm>
+              <a:off x="4287059" y="3870428"/>
+              <a:ext cx="284374" cy="0"/>
+            </a:xfrm>
+            <a:prstGeom prst="straightConnector1">
+              <a:avLst/>
+            </a:prstGeom>
+            <a:ln w="25400">
+              <a:solidFill>
+                <a:schemeClr val="tx1"/>
+              </a:solidFill>
+              <a:tailEnd type="triangle"/>
+            </a:ln>
+          </p:spPr>
+          <p:style>
+            <a:lnRef idx="1">
+              <a:schemeClr val="accent1"/>
+            </a:lnRef>
+            <a:fillRef idx="0">
+              <a:schemeClr val="accent1"/>
+            </a:fillRef>
+            <a:effectRef idx="0">
+              <a:schemeClr val="accent1"/>
+            </a:effectRef>
+            <a:fontRef idx="minor">
+              <a:schemeClr val="tx1"/>
+            </a:fontRef>
+          </p:style>
+        </p:cxnSp>
+        <p:cxnSp>
+          <p:nvCxnSpPr>
+            <p:cNvPr id="34" name="直接箭头连接符 33">
+              <a:extLst>
+                <a:ext uri="{FF2B5EF4-FFF2-40B4-BE49-F238E27FC236}">
+                  <a16:creationId xmlns:a16="http://schemas.microsoft.com/office/drawing/2014/main" id="{44B386EB-5BD7-032B-500C-7C2A38713C83}"/>
+                </a:ext>
+              </a:extLst>
+            </p:cNvPr>
+            <p:cNvCxnSpPr>
+              <a:cxnSpLocks/>
+              <a:stCxn id="8" idx="3"/>
+              <a:endCxn id="21" idx="1"/>
+            </p:cNvCxnSpPr>
+            <p:nvPr/>
+          </p:nvCxnSpPr>
+          <p:spPr>
+            <a:xfrm>
+              <a:off x="7091433" y="3870428"/>
+              <a:ext cx="326062" cy="0"/>
+            </a:xfrm>
+            <a:prstGeom prst="straightConnector1">
+              <a:avLst/>
+            </a:prstGeom>
+            <a:ln w="25400">
+              <a:solidFill>
+                <a:schemeClr val="tx1"/>
+              </a:solidFill>
+              <a:tailEnd type="triangle"/>
+            </a:ln>
+          </p:spPr>
+          <p:style>
+            <a:lnRef idx="1">
+              <a:schemeClr val="accent1"/>
+            </a:lnRef>
+            <a:fillRef idx="0">
+              <a:schemeClr val="accent1"/>
+            </a:fillRef>
+            <a:effectRef idx="0">
+              <a:schemeClr val="accent1"/>
+            </a:effectRef>
+            <a:fontRef idx="minor">
+              <a:schemeClr val="tx1"/>
+            </a:fontRef>
+          </p:style>
+        </p:cxnSp>
+      </p:grpSp>
+    </p:spTree>
+    <p:extLst>
+      <p:ext uri="{BB962C8B-B14F-4D97-AF65-F5344CB8AC3E}">
+        <p14:creationId xmlns:p14="http://schemas.microsoft.com/office/powerpoint/2010/main" val="76970570"/>
+      </p:ext>
+    </p:extLst>
+  </p:cSld>
+  <p:clrMapOvr>
+    <a:masterClrMapping/>
+  </p:clrMapOvr>
+</p:sld>
+</file>
+
 <file path=ppt/theme/theme1.xml><?xml version="1.0" encoding="utf-8"?>
 <a:theme xmlns:a="http://schemas.openxmlformats.org/drawingml/2006/main" name="Office 主题​​">
   <a:themeElements>
